--- a/卒業論文/2012/清水竜吾/オープンソース開発における.pptx
+++ b/卒業論文/2012/清水竜吾/オープンソース開発における.pptx
@@ -11,10 +11,10 @@
     <p:sldId id="259" r:id="rId2"/>
     <p:sldId id="262" r:id="rId3"/>
     <p:sldId id="263" r:id="rId4"/>
-    <p:sldId id="267" r:id="rId5"/>
-    <p:sldId id="264" r:id="rId6"/>
-    <p:sldId id="265" r:id="rId7"/>
-    <p:sldId id="266" r:id="rId8"/>
+    <p:sldId id="264" r:id="rId5"/>
+    <p:sldId id="265" r:id="rId6"/>
+    <p:sldId id="266" r:id="rId7"/>
+    <p:sldId id="271" r:id="rId8"/>
     <p:sldId id="268" r:id="rId9"/>
     <p:sldId id="269" r:id="rId10"/>
     <p:sldId id="270" r:id="rId11"/>
@@ -124,10 +124,10 @@
             <p14:sldId id="259"/>
             <p14:sldId id="262"/>
             <p14:sldId id="263"/>
-            <p14:sldId id="267"/>
             <p14:sldId id="264"/>
             <p14:sldId id="265"/>
             <p14:sldId id="266"/>
+            <p14:sldId id="271"/>
             <p14:sldId id="268"/>
             <p14:sldId id="269"/>
             <p14:sldId id="270"/>
@@ -137,6 +137,163 @@
     </p:ext>
   </p:extLst>
 </p:presentation>
+</file>
+
+<file path=ppt/charts/chart1.xml><?xml version="1.0" encoding="utf-8"?>
+<c:chartSpace xmlns:c="http://schemas.openxmlformats.org/drawingml/2006/chart" xmlns:a="http://schemas.openxmlformats.org/drawingml/2006/main" xmlns:r="http://schemas.openxmlformats.org/officeDocument/2006/relationships">
+  <c:date1904 val="0"/>
+  <c:lang val="ja-JP"/>
+  <c:roundedCorners val="0"/>
+  <mc:AlternateContent xmlns:mc="http://schemas.openxmlformats.org/markup-compatibility/2006">
+    <mc:Choice xmlns:c14="http://schemas.microsoft.com/office/drawing/2007/8/2/chart" Requires="c14">
+      <c14:style val="102"/>
+    </mc:Choice>
+    <mc:Fallback>
+      <c:style val="2"/>
+    </mc:Fallback>
+  </mc:AlternateContent>
+  <c:chart>
+    <c:autoTitleDeleted val="1"/>
+    <c:plotArea>
+      <c:layout>
+        <c:manualLayout>
+          <c:layoutTarget val="inner"/>
+          <c:xMode val="edge"/>
+          <c:yMode val="edge"/>
+          <c:x val="9.8973032197316901E-2"/>
+          <c:y val="9.8110284311286391E-2"/>
+          <c:w val="0.41953252824979109"/>
+          <c:h val="0.74550805704986767"/>
+        </c:manualLayout>
+      </c:layout>
+      <c:pieChart>
+        <c:varyColors val="1"/>
+        <c:ser>
+          <c:idx val="0"/>
+          <c:order val="0"/>
+          <c:tx>
+            <c:strRef>
+              <c:f>Sheet1!$B$1</c:f>
+              <c:strCache>
+                <c:ptCount val="1"/>
+                <c:pt idx="0">
+                  <c:v>パターン割合</c:v>
+                </c:pt>
+              </c:strCache>
+            </c:strRef>
+          </c:tx>
+          <c:dPt>
+            <c:idx val="2"/>
+            <c:bubble3D val="0"/>
+            <c:spPr>
+              <a:ln>
+                <a:solidFill>
+                  <a:schemeClr val="accent1"/>
+                </a:solidFill>
+              </a:ln>
+            </c:spPr>
+          </c:dPt>
+          <c:dLbls>
+            <c:showLegendKey val="0"/>
+            <c:showVal val="0"/>
+            <c:showCatName val="0"/>
+            <c:showSerName val="0"/>
+            <c:showPercent val="1"/>
+            <c:showBubbleSize val="0"/>
+            <c:showLeaderLines val="1"/>
+          </c:dLbls>
+          <c:cat>
+            <c:strRef>
+              <c:f>Sheet1!$A$2:$A$6</c:f>
+              <c:strCache>
+                <c:ptCount val="5"/>
+                <c:pt idx="0">
+                  <c:v>メインコードよりテストコードのほうが多い傾向</c:v>
+                </c:pt>
+                <c:pt idx="1">
+                  <c:v>メインコードとテストコードが共に成長する傾向</c:v>
+                </c:pt>
+                <c:pt idx="2">
+                  <c:v>テストコードが殆ど書かれていない傾向</c:v>
+                </c:pt>
+                <c:pt idx="3">
+                  <c:v>テストコードが初期状態から殆ど変化がない傾向</c:v>
+                </c:pt>
+                <c:pt idx="4">
+                  <c:v>その他</c:v>
+                </c:pt>
+              </c:strCache>
+            </c:strRef>
+          </c:cat>
+          <c:val>
+            <c:numRef>
+              <c:f>Sheet1!$B$2:$B$6</c:f>
+              <c:numCache>
+                <c:formatCode>General</c:formatCode>
+                <c:ptCount val="5"/>
+                <c:pt idx="0">
+                  <c:v>9</c:v>
+                </c:pt>
+                <c:pt idx="1">
+                  <c:v>8</c:v>
+                </c:pt>
+                <c:pt idx="2">
+                  <c:v>13</c:v>
+                </c:pt>
+                <c:pt idx="3">
+                  <c:v>4</c:v>
+                </c:pt>
+                <c:pt idx="4">
+                  <c:v>3</c:v>
+                </c:pt>
+              </c:numCache>
+            </c:numRef>
+          </c:val>
+        </c:ser>
+        <c:dLbls>
+          <c:showLegendKey val="0"/>
+          <c:showVal val="0"/>
+          <c:showCatName val="0"/>
+          <c:showSerName val="0"/>
+          <c:showPercent val="1"/>
+          <c:showBubbleSize val="0"/>
+          <c:showLeaderLines val="1"/>
+        </c:dLbls>
+        <c:firstSliceAng val="0"/>
+      </c:pieChart>
+    </c:plotArea>
+    <c:legend>
+      <c:legendPos val="r"/>
+      <c:layout>
+        <c:manualLayout>
+          <c:xMode val="edge"/>
+          <c:yMode val="edge"/>
+          <c:x val="0.56464695758349848"/>
+          <c:y val="9.2585974493146123E-2"/>
+          <c:w val="0.42442235930044775"/>
+          <c:h val="0.76950587098116152"/>
+        </c:manualLayout>
+      </c:layout>
+      <c:overlay val="0"/>
+      <c:txPr>
+        <a:bodyPr/>
+        <a:lstStyle/>
+        <a:p>
+          <a:pPr>
+            <a:defRPr sz="1100" b="1"/>
+          </a:pPr>
+          <a:endParaRPr lang="ja-JP"/>
+        </a:p>
+      </c:txPr>
+    </c:legend>
+    <c:plotVisOnly val="1"/>
+    <c:dispBlanksAs val="gap"/>
+    <c:showDLblsOverMax val="0"/>
+  </c:chart>
+  <c:externalData r:id="rId1">
+    <c:autoUpdate val="0"/>
+  </c:externalData>
+</c:chartSpace>
 </file>
 
 <file path=ppt/notesMasters/notesMaster1.xml><?xml version="1.0" encoding="utf-8"?>
@@ -559,6 +716,90 @@
         </p:txBody>
       </p:sp>
     </p:spTree>
+  </p:cSld>
+  <p:clrMapOvr>
+    <a:masterClrMapping/>
+  </p:clrMapOvr>
+</p:notes>
+</file>
+
+<file path=ppt/notesSlides/notesSlide2.xml><?xml version="1.0" encoding="utf-8"?>
+<p:notes xmlns:a="http://schemas.openxmlformats.org/drawingml/2006/main" xmlns:r="http://schemas.openxmlformats.org/officeDocument/2006/relationships" xmlns:p="http://schemas.openxmlformats.org/presentationml/2006/main">
+  <p:cSld>
+    <p:spTree>
+      <p:nvGrpSpPr>
+        <p:cNvPr id="1" name=""/>
+        <p:cNvGrpSpPr/>
+        <p:nvPr/>
+      </p:nvGrpSpPr>
+      <p:grpSpPr>
+        <a:xfrm>
+          <a:off x="0" y="0"/>
+          <a:ext cx="0" cy="0"/>
+          <a:chOff x="0" y="0"/>
+          <a:chExt cx="0" cy="0"/>
+        </a:xfrm>
+      </p:grpSpPr>
+      <p:sp>
+        <p:nvSpPr>
+          <p:cNvPr id="2" name="スライド イメージ プレースホルダー 1"/>
+          <p:cNvSpPr>
+            <a:spLocks noGrp="1" noRot="1" noChangeAspect="1"/>
+          </p:cNvSpPr>
+          <p:nvPr>
+            <p:ph type="sldImg"/>
+          </p:nvPr>
+        </p:nvSpPr>
+        <p:spPr/>
+      </p:sp>
+      <p:sp>
+        <p:nvSpPr>
+          <p:cNvPr id="3" name="ノート プレースホルダー 2"/>
+          <p:cNvSpPr>
+            <a:spLocks noGrp="1"/>
+          </p:cNvSpPr>
+          <p:nvPr>
+            <p:ph type="body" idx="1"/>
+          </p:nvPr>
+        </p:nvSpPr>
+        <p:spPr/>
+        <p:txBody>
+          <a:bodyPr/>
+          <a:lstStyle/>
+          <a:p>
+            <a:endParaRPr kumimoji="1" lang="ja-JP" altLang="en-US" dirty="0"/>
+          </a:p>
+        </p:txBody>
+      </p:sp>
+      <p:sp>
+        <p:nvSpPr>
+          <p:cNvPr id="4" name="スライド番号プレースホルダー 3"/>
+          <p:cNvSpPr>
+            <a:spLocks noGrp="1"/>
+          </p:cNvSpPr>
+          <p:nvPr>
+            <p:ph type="sldNum" sz="quarter" idx="10"/>
+          </p:nvPr>
+        </p:nvSpPr>
+        <p:spPr/>
+        <p:txBody>
+          <a:bodyPr/>
+          <a:lstStyle/>
+          <a:p>
+            <a:fld id="{F8646707-6BBD-41A9-B4DF-0C76A73A2D2A}" type="slidenum">
+              <a:rPr lang="en-US" altLang="ja-JP" smtClean="0"/>
+              <a:t>3</a:t>
+            </a:fld>
+            <a:endParaRPr kumimoji="1" lang="ja-JP" altLang="en-US" dirty="0"/>
+          </a:p>
+        </p:txBody>
+      </p:sp>
+    </p:spTree>
+    <p:extLst>
+      <p:ext uri="{BB962C8B-B14F-4D97-AF65-F5344CB8AC3E}">
+        <p14:creationId xmlns:p14="http://schemas.microsoft.com/office/powerpoint/2010/main" val="593323420"/>
+      </p:ext>
+    </p:extLst>
   </p:cSld>
   <p:clrMapOvr>
     <a:masterClrMapping/>
@@ -5235,10 +5476,10 @@
           </a:lstStyle>
           <a:p>
             <a:r>
-              <a:rPr kumimoji="1" lang="ja-JP" altLang="en-US" sz="2400" b="1" dirty="0" smtClean="0"/>
+              <a:rPr kumimoji="1" lang="ja-JP" altLang="en-US" sz="3200" b="1" dirty="0" smtClean="0"/>
               <a:t>課題</a:t>
             </a:r>
-            <a:endParaRPr kumimoji="1" lang="ja-JP" altLang="en-US" sz="2400" dirty="0"/>
+            <a:endParaRPr kumimoji="1" lang="ja-JP" altLang="en-US" sz="3200" dirty="0"/>
           </a:p>
         </p:txBody>
       </p:sp>
@@ -5481,6 +5722,28 @@
           </a:fontRef>
         </p:style>
       </p:cxnSp>
+      <p:graphicFrame>
+        <p:nvGraphicFramePr>
+          <p:cNvPr id="9" name="グラフ 8"/>
+          <p:cNvGraphicFramePr/>
+          <p:nvPr>
+            <p:extLst>
+              <p:ext uri="{D42A27DB-BD31-4B8C-83A1-F6EECF244321}">
+                <p14:modId xmlns:p14="http://schemas.microsoft.com/office/powerpoint/2010/main" val="918166366"/>
+              </p:ext>
+            </p:extLst>
+          </p:nvPr>
+        </p:nvGraphicFramePr>
+        <p:xfrm>
+          <a:off x="625134" y="1988840"/>
+          <a:ext cx="7907306" cy="3816424"/>
+        </p:xfrm>
+        <a:graphic>
+          <a:graphicData uri="http://schemas.openxmlformats.org/drawingml/2006/chart">
+            <c:chart xmlns:c="http://schemas.openxmlformats.org/drawingml/2006/chart" xmlns:r="http://schemas.openxmlformats.org/officeDocument/2006/relationships" r:id="rId2"/>
+          </a:graphicData>
+        </a:graphic>
+      </p:graphicFrame>
     </p:spTree>
     <p:extLst>
       <p:ext uri="{BB962C8B-B14F-4D97-AF65-F5344CB8AC3E}">
@@ -5808,10 +6071,11 @@
               <a:buAutoNum type="arabicPeriod"/>
             </a:pPr>
             <a:r>
-              <a:rPr lang="ja-JP" altLang="en-US" b="1" dirty="0" smtClean="0">
+              <a:rPr lang="ja-JP" altLang="en-US" b="1" dirty="0">
                 <a:latin typeface="+mj-ea"/>
+                <a:ea typeface="+mj-ea"/>
               </a:rPr>
-              <a:t>研究背景</a:t>
+              <a:t>研究目的</a:t>
             </a:r>
           </a:p>
           <a:p>
@@ -5824,7 +6088,14 @@
                 <a:latin typeface="+mj-ea"/>
                 <a:ea typeface="+mj-ea"/>
               </a:rPr>
-              <a:t>研究目的</a:t>
+              <a:t>研究</a:t>
+            </a:r>
+            <a:r>
+              <a:rPr lang="ja-JP" altLang="en-US" b="1" dirty="0" smtClean="0">
+                <a:latin typeface="+mj-ea"/>
+                <a:ea typeface="+mj-ea"/>
+              </a:rPr>
+              <a:t>背景</a:t>
             </a:r>
           </a:p>
           <a:p>
@@ -5837,7 +6108,14 @@
                 <a:latin typeface="+mj-ea"/>
                 <a:ea typeface="+mj-ea"/>
               </a:rPr>
-              <a:t>先行研究</a:t>
+              <a:t>先行</a:t>
+            </a:r>
+            <a:r>
+              <a:rPr lang="ja-JP" altLang="en-US" b="1" dirty="0" smtClean="0">
+                <a:latin typeface="+mj-ea"/>
+                <a:ea typeface="+mj-ea"/>
+              </a:rPr>
+              <a:t>研究</a:t>
             </a:r>
           </a:p>
           <a:p>
@@ -6099,6 +6377,222 @@
               <a:t>背景</a:t>
             </a:r>
             <a:endParaRPr kumimoji="1" lang="ja-JP" altLang="en-US" sz="3200" b="1" dirty="0"/>
+          </a:p>
+        </p:txBody>
+      </p:sp>
+      <p:cxnSp>
+        <p:nvCxnSpPr>
+          <p:cNvPr id="10" name="直線コネクタ 9"/>
+          <p:cNvCxnSpPr/>
+          <p:nvPr/>
+        </p:nvCxnSpPr>
+        <p:spPr>
+          <a:xfrm>
+            <a:off x="611560" y="1484784"/>
+            <a:ext cx="7920880" cy="0"/>
+          </a:xfrm>
+          <a:prstGeom prst="line">
+            <a:avLst/>
+          </a:prstGeom>
+          <a:ln w="63500">
+            <a:gradFill flip="none" rotWithShape="1">
+              <a:gsLst>
+                <a:gs pos="0">
+                  <a:schemeClr val="tx2"/>
+                </a:gs>
+                <a:gs pos="50000">
+                  <a:schemeClr val="accent1">
+                    <a:tint val="44500"/>
+                    <a:satMod val="160000"/>
+                  </a:schemeClr>
+                </a:gs>
+                <a:gs pos="100000">
+                  <a:schemeClr val="accent1">
+                    <a:tint val="23500"/>
+                    <a:satMod val="160000"/>
+                  </a:schemeClr>
+                </a:gs>
+              </a:gsLst>
+              <a:path path="circle">
+                <a:fillToRect r="100000" b="100000"/>
+              </a:path>
+              <a:tileRect l="-100000" t="-100000"/>
+            </a:gradFill>
+          </a:ln>
+          <a:effectLst>
+            <a:outerShdw blurRad="152400" dist="317500" dir="5400000" sx="90000" sy="-19000" rotWithShape="0">
+              <a:srgbClr val="FF0000">
+                <a:alpha val="15000"/>
+              </a:srgbClr>
+            </a:outerShdw>
+          </a:effectLst>
+        </p:spPr>
+        <p:style>
+          <a:lnRef idx="1">
+            <a:schemeClr val="accent1"/>
+          </a:lnRef>
+          <a:fillRef idx="0">
+            <a:schemeClr val="accent1"/>
+          </a:fillRef>
+          <a:effectRef idx="0">
+            <a:schemeClr val="accent1"/>
+          </a:effectRef>
+          <a:fontRef idx="minor">
+            <a:schemeClr val="tx1"/>
+          </a:fontRef>
+        </p:style>
+      </p:cxnSp>
+    </p:spTree>
+    <p:extLst>
+      <p:ext uri="{BB962C8B-B14F-4D97-AF65-F5344CB8AC3E}">
+        <p14:creationId xmlns:p14="http://schemas.microsoft.com/office/powerpoint/2010/main" val="2021359163"/>
+      </p:ext>
+    </p:extLst>
+  </p:cSld>
+  <p:clrMapOvr>
+    <a:masterClrMapping/>
+  </p:clrMapOvr>
+  <p:transition spd="slow">
+    <p:fade/>
+  </p:transition>
+  <p:timing>
+    <p:tnLst>
+      <p:par>
+        <p:cTn id="1" dur="indefinite" restart="never" nodeType="tmRoot"/>
+      </p:par>
+    </p:tnLst>
+  </p:timing>
+</p:sld>
+</file>
+
+<file path=ppt/slides/slide4.xml><?xml version="1.0" encoding="utf-8"?>
+<p:sld xmlns:a="http://schemas.openxmlformats.org/drawingml/2006/main" xmlns:r="http://schemas.openxmlformats.org/officeDocument/2006/relationships" xmlns:p="http://schemas.openxmlformats.org/presentationml/2006/main">
+  <p:cSld>
+    <p:spTree>
+      <p:nvGrpSpPr>
+        <p:cNvPr id="1" name=""/>
+        <p:cNvGrpSpPr/>
+        <p:nvPr/>
+      </p:nvGrpSpPr>
+      <p:grpSpPr>
+        <a:xfrm>
+          <a:off x="0" y="0"/>
+          <a:ext cx="0" cy="0"/>
+          <a:chOff x="0" y="0"/>
+          <a:chExt cx="0" cy="0"/>
+        </a:xfrm>
+      </p:grpSpPr>
+      <p:sp>
+        <p:nvSpPr>
+          <p:cNvPr id="4" name="日付プレースホルダー 3"/>
+          <p:cNvSpPr>
+            <a:spLocks noGrp="1"/>
+          </p:cNvSpPr>
+          <p:nvPr>
+            <p:ph type="dt" sz="half" idx="10"/>
+          </p:nvPr>
+        </p:nvSpPr>
+        <p:spPr/>
+        <p:txBody>
+          <a:bodyPr/>
+          <a:lstStyle/>
+          <a:p>
+            <a:r>
+              <a:rPr lang="en-US" altLang="ja-JP" smtClean="0"/>
+              <a:t>2014/02/05</a:t>
+            </a:r>
+            <a:endParaRPr kumimoji="0" lang="ja-JP" dirty="0"/>
+          </a:p>
+        </p:txBody>
+      </p:sp>
+      <p:sp>
+        <p:nvSpPr>
+          <p:cNvPr id="5" name="フッター プレースホルダー 4"/>
+          <p:cNvSpPr>
+            <a:spLocks noGrp="1"/>
+          </p:cNvSpPr>
+          <p:nvPr>
+            <p:ph type="ftr" sz="quarter" idx="11"/>
+          </p:nvPr>
+        </p:nvSpPr>
+        <p:spPr/>
+        <p:txBody>
+          <a:bodyPr/>
+          <a:lstStyle/>
+          <a:p>
+            <a:r>
+              <a:rPr kumimoji="0" lang="en-US" altLang="ja-JP" smtClean="0"/>
+              <a:t>The Survey of Software Testing in Open Source Software Development</a:t>
+            </a:r>
+            <a:endParaRPr kumimoji="0" lang="ja-JP" dirty="0"/>
+          </a:p>
+        </p:txBody>
+      </p:sp>
+      <p:sp>
+        <p:nvSpPr>
+          <p:cNvPr id="6" name="スライド番号プレースホルダー 5"/>
+          <p:cNvSpPr>
+            <a:spLocks noGrp="1"/>
+          </p:cNvSpPr>
+          <p:nvPr>
+            <p:ph type="sldNum" sz="quarter" idx="12"/>
+          </p:nvPr>
+        </p:nvSpPr>
+        <p:spPr/>
+        <p:txBody>
+          <a:bodyPr/>
+          <a:lstStyle/>
+          <a:p>
+            <a:fld id="{515FC477-0A05-4F3E-8EE9-E015C9089D56}" type="slidenum">
+              <a:rPr lang="en-US" altLang="ja-JP" smtClean="0"/>
+              <a:t>4</a:t>
+            </a:fld>
+            <a:endParaRPr kumimoji="0" lang="ja-JP" altLang="en-US" dirty="0"/>
+          </a:p>
+        </p:txBody>
+      </p:sp>
+      <p:sp>
+        <p:nvSpPr>
+          <p:cNvPr id="7" name="Title 1"/>
+          <p:cNvSpPr txBox="1">
+            <a:spLocks/>
+          </p:cNvSpPr>
+          <p:nvPr/>
+        </p:nvSpPr>
+        <p:spPr>
+          <a:xfrm>
+            <a:off x="457200" y="914400"/>
+            <a:ext cx="4648200" cy="914400"/>
+          </a:xfrm>
+          <a:prstGeom prst="rect">
+            <a:avLst/>
+          </a:prstGeom>
+        </p:spPr>
+        <p:txBody>
+          <a:bodyPr vert="horz" lIns="91440" tIns="45720" rIns="91440" bIns="45720" rtlCol="0" anchor="t">
+            <a:normAutofit/>
+          </a:bodyPr>
+          <a:lstStyle>
+            <a:lvl1pPr algn="l" defTabSz="914400" rtl="0" eaLnBrk="1" latinLnBrk="0" hangingPunct="1">
+              <a:spcBef>
+                <a:spcPct val="0"/>
+              </a:spcBef>
+              <a:buNone/>
+              <a:defRPr kumimoji="0" lang="ja-JP" sz="2800" kern="1200">
+                <a:solidFill>
+                  <a:schemeClr val="tx1"/>
+                </a:solidFill>
+                <a:latin typeface="Georgia" pitchFamily="18" charset="0"/>
+                <a:ea typeface="+mj-ea"/>
+                <a:cs typeface="+mj-cs"/>
+              </a:defRPr>
+            </a:lvl1pPr>
+          </a:lstStyle>
+          <a:p>
+            <a:r>
+              <a:rPr kumimoji="1" lang="ja-JP" altLang="en-US" sz="3200" b="1" dirty="0"/>
+              <a:t>目的</a:t>
+            </a:r>
           </a:p>
         </p:txBody>
       </p:sp>
@@ -6341,10 +6835,1572 @@
           </a:fontRef>
         </p:style>
       </p:cxnSp>
+      <p:grpSp>
+        <p:nvGrpSpPr>
+          <p:cNvPr id="9" name="グループ化 8"/>
+          <p:cNvGrpSpPr/>
+          <p:nvPr/>
+        </p:nvGrpSpPr>
+        <p:grpSpPr>
+          <a:xfrm>
+            <a:off x="2326210" y="1891000"/>
+            <a:ext cx="5040000" cy="3993654"/>
+            <a:chOff x="11629504" y="7579147"/>
+            <a:chExt cx="5040000" cy="3993654"/>
+          </a:xfrm>
+        </p:grpSpPr>
+        <p:cxnSp>
+          <p:nvCxnSpPr>
+            <p:cNvPr id="11" name="直線矢印コネクタ 10"/>
+            <p:cNvCxnSpPr/>
+            <p:nvPr/>
+          </p:nvCxnSpPr>
+          <p:spPr>
+            <a:xfrm>
+              <a:off x="11629504" y="11572801"/>
+              <a:ext cx="5040000" cy="0"/>
+            </a:xfrm>
+            <a:prstGeom prst="straightConnector1">
+              <a:avLst/>
+            </a:prstGeom>
+            <a:ln w="76200">
+              <a:solidFill>
+                <a:schemeClr val="tx1"/>
+              </a:solidFill>
+              <a:tailEnd type="arrow"/>
+            </a:ln>
+          </p:spPr>
+          <p:style>
+            <a:lnRef idx="1">
+              <a:schemeClr val="accent1"/>
+            </a:lnRef>
+            <a:fillRef idx="0">
+              <a:schemeClr val="accent1"/>
+            </a:fillRef>
+            <a:effectRef idx="0">
+              <a:schemeClr val="accent1"/>
+            </a:effectRef>
+            <a:fontRef idx="minor">
+              <a:schemeClr val="tx1"/>
+            </a:fontRef>
+          </p:style>
+        </p:cxnSp>
+        <p:sp>
+          <p:nvSpPr>
+            <p:cNvPr id="12" name="角丸四角形 11"/>
+            <p:cNvSpPr>
+              <a:spLocks noChangeAspect="1"/>
+            </p:cNvSpPr>
+            <p:nvPr/>
+          </p:nvSpPr>
+          <p:spPr>
+            <a:xfrm>
+              <a:off x="11695678" y="7829691"/>
+              <a:ext cx="907015" cy="247368"/>
+            </a:xfrm>
+            <a:prstGeom prst="roundRect">
+              <a:avLst/>
+            </a:prstGeom>
+            <a:solidFill>
+              <a:schemeClr val="accent6"/>
+            </a:solidFill>
+            <a:scene3d>
+              <a:camera prst="orthographicFront"/>
+              <a:lightRig rig="threePt" dir="t"/>
+            </a:scene3d>
+            <a:sp3d>
+              <a:bevelT/>
+            </a:sp3d>
+          </p:spPr>
+          <p:style>
+            <a:lnRef idx="2">
+              <a:schemeClr val="accent1">
+                <a:shade val="50000"/>
+              </a:schemeClr>
+            </a:lnRef>
+            <a:fillRef idx="1">
+              <a:schemeClr val="accent1"/>
+            </a:fillRef>
+            <a:effectRef idx="0">
+              <a:schemeClr val="accent1"/>
+            </a:effectRef>
+            <a:fontRef idx="minor">
+              <a:schemeClr val="lt1"/>
+            </a:fontRef>
+          </p:style>
+          <p:txBody>
+            <a:bodyPr rtlCol="0" anchor="ctr"/>
+            <a:lstStyle/>
+            <a:p>
+              <a:pPr algn="ctr"/>
+              <a:r>
+                <a:rPr lang="ja-JP" altLang="en-US" sz="900" b="1" dirty="0">
+                  <a:ln>
+                    <a:solidFill>
+                      <a:sysClr val="windowText" lastClr="000000"/>
+                    </a:solidFill>
+                  </a:ln>
+                </a:rPr>
+                <a:t>要件定義</a:t>
+              </a:r>
+            </a:p>
+          </p:txBody>
+        </p:sp>
+        <p:sp>
+          <p:nvSpPr>
+            <p:cNvPr id="13" name="角丸四角形 12"/>
+            <p:cNvSpPr>
+              <a:spLocks noChangeAspect="1"/>
+            </p:cNvSpPr>
+            <p:nvPr/>
+          </p:nvSpPr>
+          <p:spPr>
+            <a:xfrm>
+              <a:off x="12195453" y="8206139"/>
+              <a:ext cx="907015" cy="247368"/>
+            </a:xfrm>
+            <a:prstGeom prst="roundRect">
+              <a:avLst/>
+            </a:prstGeom>
+            <a:solidFill>
+              <a:schemeClr val="accent5"/>
+            </a:solidFill>
+            <a:scene3d>
+              <a:camera prst="orthographicFront"/>
+              <a:lightRig rig="threePt" dir="t"/>
+            </a:scene3d>
+            <a:sp3d>
+              <a:bevelT/>
+            </a:sp3d>
+          </p:spPr>
+          <p:style>
+            <a:lnRef idx="2">
+              <a:schemeClr val="accent1">
+                <a:shade val="50000"/>
+              </a:schemeClr>
+            </a:lnRef>
+            <a:fillRef idx="1">
+              <a:schemeClr val="accent1"/>
+            </a:fillRef>
+            <a:effectRef idx="0">
+              <a:schemeClr val="accent1"/>
+            </a:effectRef>
+            <a:fontRef idx="minor">
+              <a:schemeClr val="lt1"/>
+            </a:fontRef>
+          </p:style>
+          <p:txBody>
+            <a:bodyPr rtlCol="0" anchor="ctr"/>
+            <a:lstStyle/>
+            <a:p>
+              <a:pPr algn="ctr"/>
+              <a:r>
+                <a:rPr kumimoji="1" lang="ja-JP" altLang="en-US" sz="900" b="1" dirty="0" smtClean="0">
+                  <a:ln>
+                    <a:solidFill>
+                      <a:sysClr val="windowText" lastClr="000000"/>
+                    </a:solidFill>
+                  </a:ln>
+                </a:rPr>
+                <a:t>設計</a:t>
+              </a:r>
+              <a:endParaRPr kumimoji="1" lang="ja-JP" altLang="en-US" sz="900" b="1" dirty="0">
+                <a:ln>
+                  <a:solidFill>
+                    <a:sysClr val="windowText" lastClr="000000"/>
+                  </a:solidFill>
+                </a:ln>
+              </a:endParaRPr>
+            </a:p>
+          </p:txBody>
+        </p:sp>
+        <p:sp>
+          <p:nvSpPr>
+            <p:cNvPr id="14" name="角丸四角形 13"/>
+            <p:cNvSpPr>
+              <a:spLocks noChangeAspect="1"/>
+            </p:cNvSpPr>
+            <p:nvPr/>
+          </p:nvSpPr>
+          <p:spPr>
+            <a:xfrm>
+              <a:off x="13355750" y="8987963"/>
+              <a:ext cx="907015" cy="247368"/>
+            </a:xfrm>
+            <a:prstGeom prst="roundRect">
+              <a:avLst/>
+            </a:prstGeom>
+            <a:solidFill>
+              <a:schemeClr val="accent3"/>
+            </a:solidFill>
+            <a:scene3d>
+              <a:camera prst="orthographicFront"/>
+              <a:lightRig rig="threePt" dir="t"/>
+            </a:scene3d>
+            <a:sp3d>
+              <a:bevelT/>
+            </a:sp3d>
+          </p:spPr>
+          <p:style>
+            <a:lnRef idx="2">
+              <a:schemeClr val="accent1">
+                <a:shade val="50000"/>
+              </a:schemeClr>
+            </a:lnRef>
+            <a:fillRef idx="1">
+              <a:schemeClr val="accent1"/>
+            </a:fillRef>
+            <a:effectRef idx="0">
+              <a:schemeClr val="accent1"/>
+            </a:effectRef>
+            <a:fontRef idx="minor">
+              <a:schemeClr val="lt1"/>
+            </a:fontRef>
+          </p:style>
+          <p:txBody>
+            <a:bodyPr rtlCol="0" anchor="ctr"/>
+            <a:lstStyle/>
+            <a:p>
+              <a:pPr algn="ctr"/>
+              <a:r>
+                <a:rPr kumimoji="1" lang="ja-JP" altLang="en-US" sz="900" b="1" dirty="0" smtClean="0">
+                  <a:ln>
+                    <a:solidFill>
+                      <a:sysClr val="windowText" lastClr="000000"/>
+                    </a:solidFill>
+                  </a:ln>
+                </a:rPr>
+                <a:t>テスト設計</a:t>
+              </a:r>
+              <a:endParaRPr kumimoji="1" lang="ja-JP" altLang="en-US" sz="900" b="1" dirty="0">
+                <a:ln>
+                  <a:solidFill>
+                    <a:sysClr val="windowText" lastClr="000000"/>
+                  </a:solidFill>
+                </a:ln>
+              </a:endParaRPr>
+            </a:p>
+          </p:txBody>
+        </p:sp>
+        <p:sp>
+          <p:nvSpPr>
+            <p:cNvPr id="15" name="角丸四角形 14"/>
+            <p:cNvSpPr>
+              <a:spLocks noChangeAspect="1"/>
+            </p:cNvSpPr>
+            <p:nvPr/>
+          </p:nvSpPr>
+          <p:spPr>
+            <a:xfrm>
+              <a:off x="12763360" y="8610398"/>
+              <a:ext cx="907015" cy="247368"/>
+            </a:xfrm>
+            <a:prstGeom prst="roundRect">
+              <a:avLst/>
+            </a:prstGeom>
+            <a:solidFill>
+              <a:schemeClr val="accent4"/>
+            </a:solidFill>
+            <a:scene3d>
+              <a:camera prst="orthographicFront"/>
+              <a:lightRig rig="threePt" dir="t"/>
+            </a:scene3d>
+            <a:sp3d>
+              <a:bevelT/>
+            </a:sp3d>
+          </p:spPr>
+          <p:style>
+            <a:lnRef idx="2">
+              <a:schemeClr val="accent1">
+                <a:shade val="50000"/>
+              </a:schemeClr>
+            </a:lnRef>
+            <a:fillRef idx="1">
+              <a:schemeClr val="accent1"/>
+            </a:fillRef>
+            <a:effectRef idx="0">
+              <a:schemeClr val="accent1"/>
+            </a:effectRef>
+            <a:fontRef idx="minor">
+              <a:schemeClr val="lt1"/>
+            </a:fontRef>
+          </p:style>
+          <p:txBody>
+            <a:bodyPr rtlCol="0" anchor="ctr"/>
+            <a:lstStyle/>
+            <a:p>
+              <a:pPr algn="ctr"/>
+              <a:r>
+                <a:rPr lang="ja-JP" altLang="en-US" sz="900" b="1" dirty="0">
+                  <a:ln>
+                    <a:solidFill>
+                      <a:sysClr val="windowText" lastClr="000000"/>
+                    </a:solidFill>
+                  </a:ln>
+                </a:rPr>
+                <a:t>コーディング</a:t>
+              </a:r>
+              <a:endParaRPr kumimoji="1" lang="ja-JP" altLang="en-US" sz="900" b="1" dirty="0">
+                <a:ln>
+                  <a:solidFill>
+                    <a:sysClr val="windowText" lastClr="000000"/>
+                  </a:solidFill>
+                </a:ln>
+              </a:endParaRPr>
+            </a:p>
+          </p:txBody>
+        </p:sp>
+        <p:cxnSp>
+          <p:nvCxnSpPr>
+            <p:cNvPr id="16" name="直線コネクタ 15"/>
+            <p:cNvCxnSpPr/>
+            <p:nvPr/>
+          </p:nvCxnSpPr>
+          <p:spPr>
+            <a:xfrm flipV="1">
+              <a:off x="11629504" y="7612801"/>
+              <a:ext cx="0" cy="3960000"/>
+            </a:xfrm>
+            <a:prstGeom prst="line">
+              <a:avLst/>
+            </a:prstGeom>
+            <a:ln w="76200">
+              <a:solidFill>
+                <a:schemeClr val="tx1"/>
+              </a:solidFill>
+            </a:ln>
+          </p:spPr>
+          <p:style>
+            <a:lnRef idx="1">
+              <a:schemeClr val="accent1"/>
+            </a:lnRef>
+            <a:fillRef idx="0">
+              <a:schemeClr val="accent1"/>
+            </a:fillRef>
+            <a:effectRef idx="0">
+              <a:schemeClr val="accent1"/>
+            </a:effectRef>
+            <a:fontRef idx="minor">
+              <a:schemeClr val="tx1"/>
+            </a:fontRef>
+          </p:style>
+        </p:cxnSp>
+        <p:cxnSp>
+          <p:nvCxnSpPr>
+            <p:cNvPr id="17" name="直線矢印コネクタ 16"/>
+            <p:cNvCxnSpPr>
+              <a:cxnSpLocks noChangeAspect="1"/>
+            </p:cNvCxnSpPr>
+            <p:nvPr/>
+          </p:nvCxnSpPr>
+          <p:spPr>
+            <a:xfrm>
+              <a:off x="12890898" y="7966976"/>
+              <a:ext cx="0" cy="239163"/>
+            </a:xfrm>
+            <a:prstGeom prst="straightConnector1">
+              <a:avLst/>
+            </a:prstGeom>
+            <a:ln w="38100">
+              <a:tailEnd type="arrow"/>
+            </a:ln>
+          </p:spPr>
+          <p:style>
+            <a:lnRef idx="1">
+              <a:schemeClr val="dk1"/>
+            </a:lnRef>
+            <a:fillRef idx="0">
+              <a:schemeClr val="dk1"/>
+            </a:fillRef>
+            <a:effectRef idx="0">
+              <a:schemeClr val="dk1"/>
+            </a:effectRef>
+            <a:fontRef idx="minor">
+              <a:schemeClr val="tx1"/>
+            </a:fontRef>
+          </p:style>
+        </p:cxnSp>
+        <p:cxnSp>
+          <p:nvCxnSpPr>
+            <p:cNvPr id="18" name="直線矢印コネクタ 17"/>
+            <p:cNvCxnSpPr>
+              <a:cxnSpLocks noChangeAspect="1"/>
+            </p:cNvCxnSpPr>
+            <p:nvPr/>
+          </p:nvCxnSpPr>
+          <p:spPr>
+            <a:xfrm>
+              <a:off x="13363963" y="8371235"/>
+              <a:ext cx="0" cy="239163"/>
+            </a:xfrm>
+            <a:prstGeom prst="straightConnector1">
+              <a:avLst/>
+            </a:prstGeom>
+            <a:ln w="38100">
+              <a:tailEnd type="arrow"/>
+            </a:ln>
+          </p:spPr>
+          <p:style>
+            <a:lnRef idx="1">
+              <a:schemeClr val="dk1"/>
+            </a:lnRef>
+            <a:fillRef idx="0">
+              <a:schemeClr val="dk1"/>
+            </a:fillRef>
+            <a:effectRef idx="0">
+              <a:schemeClr val="dk1"/>
+            </a:effectRef>
+            <a:fontRef idx="minor">
+              <a:schemeClr val="tx1"/>
+            </a:fontRef>
+          </p:style>
+        </p:cxnSp>
+        <p:cxnSp>
+          <p:nvCxnSpPr>
+            <p:cNvPr id="19" name="直線コネクタ 18"/>
+            <p:cNvCxnSpPr>
+              <a:cxnSpLocks noChangeAspect="1"/>
+            </p:cNvCxnSpPr>
+            <p:nvPr/>
+          </p:nvCxnSpPr>
+          <p:spPr>
+            <a:xfrm>
+              <a:off x="13102468" y="8371235"/>
+              <a:ext cx="253282" cy="0"/>
+            </a:xfrm>
+            <a:prstGeom prst="line">
+              <a:avLst/>
+            </a:prstGeom>
+            <a:ln w="38100"/>
+          </p:spPr>
+          <p:style>
+            <a:lnRef idx="1">
+              <a:schemeClr val="dk1"/>
+            </a:lnRef>
+            <a:fillRef idx="0">
+              <a:schemeClr val="dk1"/>
+            </a:fillRef>
+            <a:effectRef idx="0">
+              <a:schemeClr val="dk1"/>
+            </a:effectRef>
+            <a:fontRef idx="minor">
+              <a:schemeClr val="tx1"/>
+            </a:fontRef>
+          </p:style>
+        </p:cxnSp>
+        <p:sp>
+          <p:nvSpPr>
+            <p:cNvPr id="20" name="角丸四角形 19"/>
+            <p:cNvSpPr>
+              <a:spLocks noChangeAspect="1"/>
+            </p:cNvSpPr>
+            <p:nvPr/>
+          </p:nvSpPr>
+          <p:spPr>
+            <a:xfrm>
+              <a:off x="13966933" y="9386953"/>
+              <a:ext cx="907015" cy="247368"/>
+            </a:xfrm>
+            <a:prstGeom prst="roundRect">
+              <a:avLst/>
+            </a:prstGeom>
+            <a:solidFill>
+              <a:schemeClr val="accent2"/>
+            </a:solidFill>
+            <a:scene3d>
+              <a:camera prst="orthographicFront"/>
+              <a:lightRig rig="threePt" dir="t"/>
+            </a:scene3d>
+            <a:sp3d>
+              <a:bevelT/>
+            </a:sp3d>
+          </p:spPr>
+          <p:style>
+            <a:lnRef idx="2">
+              <a:schemeClr val="accent1">
+                <a:shade val="50000"/>
+              </a:schemeClr>
+            </a:lnRef>
+            <a:fillRef idx="1">
+              <a:schemeClr val="accent1"/>
+            </a:fillRef>
+            <a:effectRef idx="0">
+              <a:schemeClr val="accent1"/>
+            </a:effectRef>
+            <a:fontRef idx="minor">
+              <a:schemeClr val="lt1"/>
+            </a:fontRef>
+          </p:style>
+          <p:txBody>
+            <a:bodyPr rtlCol="0" anchor="ctr"/>
+            <a:lstStyle/>
+            <a:p>
+              <a:pPr algn="ctr"/>
+              <a:r>
+                <a:rPr kumimoji="1" lang="ja-JP" altLang="en-US" sz="900" b="1" dirty="0" smtClean="0">
+                  <a:ln>
+                    <a:solidFill>
+                      <a:sysClr val="windowText" lastClr="000000"/>
+                    </a:solidFill>
+                  </a:ln>
+                </a:rPr>
+                <a:t>テスト実施</a:t>
+              </a:r>
+              <a:endParaRPr kumimoji="1" lang="ja-JP" altLang="en-US" sz="900" b="1" dirty="0">
+                <a:ln>
+                  <a:solidFill>
+                    <a:sysClr val="windowText" lastClr="000000"/>
+                  </a:solidFill>
+                </a:ln>
+              </a:endParaRPr>
+            </a:p>
+          </p:txBody>
+        </p:sp>
+        <p:cxnSp>
+          <p:nvCxnSpPr>
+            <p:cNvPr id="21" name="直線コネクタ 20"/>
+            <p:cNvCxnSpPr>
+              <a:cxnSpLocks noChangeAspect="1"/>
+            </p:cNvCxnSpPr>
+            <p:nvPr/>
+          </p:nvCxnSpPr>
+          <p:spPr>
+            <a:xfrm>
+              <a:off x="12637616" y="7966976"/>
+              <a:ext cx="253282" cy="0"/>
+            </a:xfrm>
+            <a:prstGeom prst="line">
+              <a:avLst/>
+            </a:prstGeom>
+            <a:ln w="38100"/>
+          </p:spPr>
+          <p:style>
+            <a:lnRef idx="1">
+              <a:schemeClr val="dk1"/>
+            </a:lnRef>
+            <a:fillRef idx="0">
+              <a:schemeClr val="dk1"/>
+            </a:fillRef>
+            <a:effectRef idx="0">
+              <a:schemeClr val="dk1"/>
+            </a:effectRef>
+            <a:fontRef idx="minor">
+              <a:schemeClr val="tx1"/>
+            </a:fontRef>
+          </p:style>
+        </p:cxnSp>
+        <p:cxnSp>
+          <p:nvCxnSpPr>
+            <p:cNvPr id="22" name="直線矢印コネクタ 21"/>
+            <p:cNvCxnSpPr>
+              <a:cxnSpLocks noChangeAspect="1"/>
+            </p:cNvCxnSpPr>
+            <p:nvPr/>
+          </p:nvCxnSpPr>
+          <p:spPr>
+            <a:xfrm>
+              <a:off x="13933760" y="8762798"/>
+              <a:ext cx="0" cy="239163"/>
+            </a:xfrm>
+            <a:prstGeom prst="straightConnector1">
+              <a:avLst/>
+            </a:prstGeom>
+            <a:ln w="38100">
+              <a:tailEnd type="arrow"/>
+            </a:ln>
+          </p:spPr>
+          <p:style>
+            <a:lnRef idx="1">
+              <a:schemeClr val="dk1"/>
+            </a:lnRef>
+            <a:fillRef idx="0">
+              <a:schemeClr val="dk1"/>
+            </a:fillRef>
+            <a:effectRef idx="0">
+              <a:schemeClr val="dk1"/>
+            </a:effectRef>
+            <a:fontRef idx="minor">
+              <a:schemeClr val="tx1"/>
+            </a:fontRef>
+          </p:style>
+        </p:cxnSp>
+        <p:cxnSp>
+          <p:nvCxnSpPr>
+            <p:cNvPr id="23" name="直線コネクタ 22"/>
+            <p:cNvCxnSpPr>
+              <a:cxnSpLocks noChangeAspect="1"/>
+            </p:cNvCxnSpPr>
+            <p:nvPr/>
+          </p:nvCxnSpPr>
+          <p:spPr>
+            <a:xfrm>
+              <a:off x="13672265" y="8762798"/>
+              <a:ext cx="253282" cy="0"/>
+            </a:xfrm>
+            <a:prstGeom prst="line">
+              <a:avLst/>
+            </a:prstGeom>
+            <a:ln w="38100"/>
+          </p:spPr>
+          <p:style>
+            <a:lnRef idx="1">
+              <a:schemeClr val="dk1"/>
+            </a:lnRef>
+            <a:fillRef idx="0">
+              <a:schemeClr val="dk1"/>
+            </a:fillRef>
+            <a:effectRef idx="0">
+              <a:schemeClr val="dk1"/>
+            </a:effectRef>
+            <a:fontRef idx="minor">
+              <a:schemeClr val="tx1"/>
+            </a:fontRef>
+          </p:style>
+        </p:cxnSp>
+        <p:cxnSp>
+          <p:nvCxnSpPr>
+            <p:cNvPr id="24" name="直線矢印コネクタ 23"/>
+            <p:cNvCxnSpPr>
+              <a:cxnSpLocks noChangeAspect="1"/>
+            </p:cNvCxnSpPr>
+            <p:nvPr/>
+          </p:nvCxnSpPr>
+          <p:spPr>
+            <a:xfrm>
+              <a:off x="14555295" y="9140184"/>
+              <a:ext cx="0" cy="239163"/>
+            </a:xfrm>
+            <a:prstGeom prst="straightConnector1">
+              <a:avLst/>
+            </a:prstGeom>
+            <a:ln w="38100">
+              <a:tailEnd type="arrow"/>
+            </a:ln>
+          </p:spPr>
+          <p:style>
+            <a:lnRef idx="1">
+              <a:schemeClr val="dk1"/>
+            </a:lnRef>
+            <a:fillRef idx="0">
+              <a:schemeClr val="dk1"/>
+            </a:fillRef>
+            <a:effectRef idx="0">
+              <a:schemeClr val="dk1"/>
+            </a:effectRef>
+            <a:fontRef idx="minor">
+              <a:schemeClr val="tx1"/>
+            </a:fontRef>
+          </p:style>
+        </p:cxnSp>
+        <p:cxnSp>
+          <p:nvCxnSpPr>
+            <p:cNvPr id="25" name="直線コネクタ 24"/>
+            <p:cNvCxnSpPr>
+              <a:cxnSpLocks noChangeAspect="1"/>
+            </p:cNvCxnSpPr>
+            <p:nvPr/>
+          </p:nvCxnSpPr>
+          <p:spPr>
+            <a:xfrm>
+              <a:off x="14293800" y="9140184"/>
+              <a:ext cx="253282" cy="0"/>
+            </a:xfrm>
+            <a:prstGeom prst="line">
+              <a:avLst/>
+            </a:prstGeom>
+            <a:ln w="38100"/>
+          </p:spPr>
+          <p:style>
+            <a:lnRef idx="1">
+              <a:schemeClr val="dk1"/>
+            </a:lnRef>
+            <a:fillRef idx="0">
+              <a:schemeClr val="dk1"/>
+            </a:fillRef>
+            <a:effectRef idx="0">
+              <a:schemeClr val="dk1"/>
+            </a:effectRef>
+            <a:fontRef idx="minor">
+              <a:schemeClr val="tx1"/>
+            </a:fontRef>
+          </p:style>
+        </p:cxnSp>
+        <p:sp>
+          <p:nvSpPr>
+            <p:cNvPr id="26" name="角丸四角形 25"/>
+            <p:cNvSpPr>
+              <a:spLocks noChangeAspect="1"/>
+            </p:cNvSpPr>
+            <p:nvPr/>
+          </p:nvSpPr>
+          <p:spPr>
+            <a:xfrm>
+              <a:off x="13059746" y="9667379"/>
+              <a:ext cx="907015" cy="247368"/>
+            </a:xfrm>
+            <a:prstGeom prst="roundRect">
+              <a:avLst/>
+            </a:prstGeom>
+            <a:solidFill>
+              <a:schemeClr val="accent6"/>
+            </a:solidFill>
+            <a:scene3d>
+              <a:camera prst="orthographicFront"/>
+              <a:lightRig rig="threePt" dir="t"/>
+            </a:scene3d>
+            <a:sp3d>
+              <a:bevelT/>
+            </a:sp3d>
+          </p:spPr>
+          <p:style>
+            <a:lnRef idx="2">
+              <a:schemeClr val="accent1">
+                <a:shade val="50000"/>
+              </a:schemeClr>
+            </a:lnRef>
+            <a:fillRef idx="1">
+              <a:schemeClr val="accent1"/>
+            </a:fillRef>
+            <a:effectRef idx="0">
+              <a:schemeClr val="accent1"/>
+            </a:effectRef>
+            <a:fontRef idx="minor">
+              <a:schemeClr val="lt1"/>
+            </a:fontRef>
+          </p:style>
+          <p:txBody>
+            <a:bodyPr rtlCol="0" anchor="ctr"/>
+            <a:lstStyle/>
+            <a:p>
+              <a:pPr algn="ctr"/>
+              <a:r>
+                <a:rPr lang="ja-JP" altLang="en-US" sz="900" b="1" dirty="0">
+                  <a:ln>
+                    <a:solidFill>
+                      <a:sysClr val="windowText" lastClr="000000"/>
+                    </a:solidFill>
+                  </a:ln>
+                </a:rPr>
+                <a:t>要件定義</a:t>
+              </a:r>
+            </a:p>
+          </p:txBody>
+        </p:sp>
+        <p:sp>
+          <p:nvSpPr>
+            <p:cNvPr id="27" name="角丸四角形 26"/>
+            <p:cNvSpPr>
+              <a:spLocks noChangeAspect="1"/>
+            </p:cNvSpPr>
+            <p:nvPr/>
+          </p:nvSpPr>
+          <p:spPr>
+            <a:xfrm>
+              <a:off x="13559521" y="10043827"/>
+              <a:ext cx="907015" cy="247368"/>
+            </a:xfrm>
+            <a:prstGeom prst="roundRect">
+              <a:avLst/>
+            </a:prstGeom>
+            <a:solidFill>
+              <a:schemeClr val="accent5"/>
+            </a:solidFill>
+            <a:scene3d>
+              <a:camera prst="orthographicFront"/>
+              <a:lightRig rig="threePt" dir="t"/>
+            </a:scene3d>
+            <a:sp3d>
+              <a:bevelT/>
+            </a:sp3d>
+          </p:spPr>
+          <p:style>
+            <a:lnRef idx="2">
+              <a:schemeClr val="accent1">
+                <a:shade val="50000"/>
+              </a:schemeClr>
+            </a:lnRef>
+            <a:fillRef idx="1">
+              <a:schemeClr val="accent1"/>
+            </a:fillRef>
+            <a:effectRef idx="0">
+              <a:schemeClr val="accent1"/>
+            </a:effectRef>
+            <a:fontRef idx="minor">
+              <a:schemeClr val="lt1"/>
+            </a:fontRef>
+          </p:style>
+          <p:txBody>
+            <a:bodyPr rtlCol="0" anchor="ctr"/>
+            <a:lstStyle/>
+            <a:p>
+              <a:pPr algn="ctr"/>
+              <a:r>
+                <a:rPr kumimoji="1" lang="ja-JP" altLang="en-US" sz="900" b="1" dirty="0" smtClean="0">
+                  <a:ln>
+                    <a:solidFill>
+                      <a:sysClr val="windowText" lastClr="000000"/>
+                    </a:solidFill>
+                  </a:ln>
+                </a:rPr>
+                <a:t>設計</a:t>
+              </a:r>
+              <a:endParaRPr kumimoji="1" lang="ja-JP" altLang="en-US" sz="900" b="1" dirty="0">
+                <a:ln>
+                  <a:solidFill>
+                    <a:sysClr val="windowText" lastClr="000000"/>
+                  </a:solidFill>
+                </a:ln>
+              </a:endParaRPr>
+            </a:p>
+          </p:txBody>
+        </p:sp>
+        <p:sp>
+          <p:nvSpPr>
+            <p:cNvPr id="28" name="角丸四角形 27"/>
+            <p:cNvSpPr>
+              <a:spLocks noChangeAspect="1"/>
+            </p:cNvSpPr>
+            <p:nvPr/>
+          </p:nvSpPr>
+          <p:spPr>
+            <a:xfrm>
+              <a:off x="14719818" y="10825651"/>
+              <a:ext cx="907015" cy="247368"/>
+            </a:xfrm>
+            <a:prstGeom prst="roundRect">
+              <a:avLst/>
+            </a:prstGeom>
+            <a:solidFill>
+              <a:schemeClr val="accent3"/>
+            </a:solidFill>
+            <a:scene3d>
+              <a:camera prst="orthographicFront"/>
+              <a:lightRig rig="threePt" dir="t"/>
+            </a:scene3d>
+            <a:sp3d>
+              <a:bevelT/>
+            </a:sp3d>
+          </p:spPr>
+          <p:style>
+            <a:lnRef idx="2">
+              <a:schemeClr val="accent1">
+                <a:shade val="50000"/>
+              </a:schemeClr>
+            </a:lnRef>
+            <a:fillRef idx="1">
+              <a:schemeClr val="accent1"/>
+            </a:fillRef>
+            <a:effectRef idx="0">
+              <a:schemeClr val="accent1"/>
+            </a:effectRef>
+            <a:fontRef idx="minor">
+              <a:schemeClr val="lt1"/>
+            </a:fontRef>
+          </p:style>
+          <p:txBody>
+            <a:bodyPr rtlCol="0" anchor="ctr"/>
+            <a:lstStyle/>
+            <a:p>
+              <a:pPr algn="ctr"/>
+              <a:r>
+                <a:rPr kumimoji="1" lang="ja-JP" altLang="en-US" sz="900" b="1" dirty="0" smtClean="0">
+                  <a:ln>
+                    <a:solidFill>
+                      <a:sysClr val="windowText" lastClr="000000"/>
+                    </a:solidFill>
+                  </a:ln>
+                </a:rPr>
+                <a:t>テスト設計</a:t>
+              </a:r>
+              <a:endParaRPr kumimoji="1" lang="ja-JP" altLang="en-US" sz="900" b="1" dirty="0">
+                <a:ln>
+                  <a:solidFill>
+                    <a:sysClr val="windowText" lastClr="000000"/>
+                  </a:solidFill>
+                </a:ln>
+              </a:endParaRPr>
+            </a:p>
+          </p:txBody>
+        </p:sp>
+        <p:sp>
+          <p:nvSpPr>
+            <p:cNvPr id="29" name="角丸四角形 28"/>
+            <p:cNvSpPr>
+              <a:spLocks noChangeAspect="1"/>
+            </p:cNvSpPr>
+            <p:nvPr/>
+          </p:nvSpPr>
+          <p:spPr>
+            <a:xfrm>
+              <a:off x="14127428" y="10448086"/>
+              <a:ext cx="907015" cy="247368"/>
+            </a:xfrm>
+            <a:prstGeom prst="roundRect">
+              <a:avLst/>
+            </a:prstGeom>
+            <a:solidFill>
+              <a:schemeClr val="accent4"/>
+            </a:solidFill>
+            <a:scene3d>
+              <a:camera prst="orthographicFront"/>
+              <a:lightRig rig="threePt" dir="t"/>
+            </a:scene3d>
+            <a:sp3d>
+              <a:bevelT/>
+            </a:sp3d>
+          </p:spPr>
+          <p:style>
+            <a:lnRef idx="2">
+              <a:schemeClr val="accent1">
+                <a:shade val="50000"/>
+              </a:schemeClr>
+            </a:lnRef>
+            <a:fillRef idx="1">
+              <a:schemeClr val="accent1"/>
+            </a:fillRef>
+            <a:effectRef idx="0">
+              <a:schemeClr val="accent1"/>
+            </a:effectRef>
+            <a:fontRef idx="minor">
+              <a:schemeClr val="lt1"/>
+            </a:fontRef>
+          </p:style>
+          <p:txBody>
+            <a:bodyPr rtlCol="0" anchor="ctr"/>
+            <a:lstStyle/>
+            <a:p>
+              <a:pPr algn="ctr"/>
+              <a:r>
+                <a:rPr lang="ja-JP" altLang="en-US" sz="900" b="1" dirty="0">
+                  <a:ln>
+                    <a:solidFill>
+                      <a:sysClr val="windowText" lastClr="000000"/>
+                    </a:solidFill>
+                  </a:ln>
+                </a:rPr>
+                <a:t>コーディング</a:t>
+              </a:r>
+              <a:endParaRPr kumimoji="1" lang="ja-JP" altLang="en-US" sz="900" b="1" dirty="0">
+                <a:ln>
+                  <a:solidFill>
+                    <a:sysClr val="windowText" lastClr="000000"/>
+                  </a:solidFill>
+                </a:ln>
+              </a:endParaRPr>
+            </a:p>
+          </p:txBody>
+        </p:sp>
+        <p:cxnSp>
+          <p:nvCxnSpPr>
+            <p:cNvPr id="30" name="直線矢印コネクタ 29"/>
+            <p:cNvCxnSpPr>
+              <a:cxnSpLocks noChangeAspect="1"/>
+            </p:cNvCxnSpPr>
+            <p:nvPr/>
+          </p:nvCxnSpPr>
+          <p:spPr>
+            <a:xfrm>
+              <a:off x="14254966" y="9804664"/>
+              <a:ext cx="0" cy="239163"/>
+            </a:xfrm>
+            <a:prstGeom prst="straightConnector1">
+              <a:avLst/>
+            </a:prstGeom>
+            <a:ln w="38100">
+              <a:tailEnd type="arrow"/>
+            </a:ln>
+          </p:spPr>
+          <p:style>
+            <a:lnRef idx="1">
+              <a:schemeClr val="dk1"/>
+            </a:lnRef>
+            <a:fillRef idx="0">
+              <a:schemeClr val="dk1"/>
+            </a:fillRef>
+            <a:effectRef idx="0">
+              <a:schemeClr val="dk1"/>
+            </a:effectRef>
+            <a:fontRef idx="minor">
+              <a:schemeClr val="tx1"/>
+            </a:fontRef>
+          </p:style>
+        </p:cxnSp>
+        <p:cxnSp>
+          <p:nvCxnSpPr>
+            <p:cNvPr id="31" name="直線矢印コネクタ 30"/>
+            <p:cNvCxnSpPr>
+              <a:cxnSpLocks noChangeAspect="1"/>
+            </p:cNvCxnSpPr>
+            <p:nvPr/>
+          </p:nvCxnSpPr>
+          <p:spPr>
+            <a:xfrm>
+              <a:off x="14728031" y="10208923"/>
+              <a:ext cx="0" cy="239163"/>
+            </a:xfrm>
+            <a:prstGeom prst="straightConnector1">
+              <a:avLst/>
+            </a:prstGeom>
+            <a:ln w="38100">
+              <a:tailEnd type="arrow"/>
+            </a:ln>
+          </p:spPr>
+          <p:style>
+            <a:lnRef idx="1">
+              <a:schemeClr val="dk1"/>
+            </a:lnRef>
+            <a:fillRef idx="0">
+              <a:schemeClr val="dk1"/>
+            </a:fillRef>
+            <a:effectRef idx="0">
+              <a:schemeClr val="dk1"/>
+            </a:effectRef>
+            <a:fontRef idx="minor">
+              <a:schemeClr val="tx1"/>
+            </a:fontRef>
+          </p:style>
+        </p:cxnSp>
+        <p:cxnSp>
+          <p:nvCxnSpPr>
+            <p:cNvPr id="32" name="直線コネクタ 31"/>
+            <p:cNvCxnSpPr>
+              <a:cxnSpLocks noChangeAspect="1"/>
+            </p:cNvCxnSpPr>
+            <p:nvPr/>
+          </p:nvCxnSpPr>
+          <p:spPr>
+            <a:xfrm>
+              <a:off x="14466536" y="10208923"/>
+              <a:ext cx="253282" cy="0"/>
+            </a:xfrm>
+            <a:prstGeom prst="line">
+              <a:avLst/>
+            </a:prstGeom>
+            <a:ln w="38100"/>
+          </p:spPr>
+          <p:style>
+            <a:lnRef idx="1">
+              <a:schemeClr val="dk1"/>
+            </a:lnRef>
+            <a:fillRef idx="0">
+              <a:schemeClr val="dk1"/>
+            </a:fillRef>
+            <a:effectRef idx="0">
+              <a:schemeClr val="dk1"/>
+            </a:effectRef>
+            <a:fontRef idx="minor">
+              <a:schemeClr val="tx1"/>
+            </a:fontRef>
+          </p:style>
+        </p:cxnSp>
+        <p:sp>
+          <p:nvSpPr>
+            <p:cNvPr id="33" name="角丸四角形 32"/>
+            <p:cNvSpPr>
+              <a:spLocks noChangeAspect="1"/>
+            </p:cNvSpPr>
+            <p:nvPr/>
+          </p:nvSpPr>
+          <p:spPr>
+            <a:xfrm>
+              <a:off x="15331001" y="11224641"/>
+              <a:ext cx="907015" cy="247368"/>
+            </a:xfrm>
+            <a:prstGeom prst="roundRect">
+              <a:avLst/>
+            </a:prstGeom>
+            <a:solidFill>
+              <a:schemeClr val="accent2"/>
+            </a:solidFill>
+            <a:scene3d>
+              <a:camera prst="orthographicFront"/>
+              <a:lightRig rig="threePt" dir="t"/>
+            </a:scene3d>
+            <a:sp3d>
+              <a:bevelT/>
+            </a:sp3d>
+          </p:spPr>
+          <p:style>
+            <a:lnRef idx="2">
+              <a:schemeClr val="accent1">
+                <a:shade val="50000"/>
+              </a:schemeClr>
+            </a:lnRef>
+            <a:fillRef idx="1">
+              <a:schemeClr val="accent1"/>
+            </a:fillRef>
+            <a:effectRef idx="0">
+              <a:schemeClr val="accent1"/>
+            </a:effectRef>
+            <a:fontRef idx="minor">
+              <a:schemeClr val="lt1"/>
+            </a:fontRef>
+          </p:style>
+          <p:txBody>
+            <a:bodyPr rtlCol="0" anchor="ctr"/>
+            <a:lstStyle/>
+            <a:p>
+              <a:pPr algn="ctr"/>
+              <a:r>
+                <a:rPr kumimoji="1" lang="ja-JP" altLang="en-US" sz="900" b="1" dirty="0" smtClean="0">
+                  <a:ln>
+                    <a:solidFill>
+                      <a:sysClr val="windowText" lastClr="000000"/>
+                    </a:solidFill>
+                  </a:ln>
+                </a:rPr>
+                <a:t>テスト実施</a:t>
+              </a:r>
+              <a:endParaRPr kumimoji="1" lang="ja-JP" altLang="en-US" sz="900" b="1" dirty="0">
+                <a:ln>
+                  <a:solidFill>
+                    <a:sysClr val="windowText" lastClr="000000"/>
+                  </a:solidFill>
+                </a:ln>
+              </a:endParaRPr>
+            </a:p>
+          </p:txBody>
+        </p:sp>
+        <p:cxnSp>
+          <p:nvCxnSpPr>
+            <p:cNvPr id="34" name="直線コネクタ 33"/>
+            <p:cNvCxnSpPr>
+              <a:cxnSpLocks noChangeAspect="1"/>
+            </p:cNvCxnSpPr>
+            <p:nvPr/>
+          </p:nvCxnSpPr>
+          <p:spPr>
+            <a:xfrm>
+              <a:off x="14001684" y="9804664"/>
+              <a:ext cx="253282" cy="0"/>
+            </a:xfrm>
+            <a:prstGeom prst="line">
+              <a:avLst/>
+            </a:prstGeom>
+            <a:ln w="38100"/>
+          </p:spPr>
+          <p:style>
+            <a:lnRef idx="1">
+              <a:schemeClr val="dk1"/>
+            </a:lnRef>
+            <a:fillRef idx="0">
+              <a:schemeClr val="dk1"/>
+            </a:fillRef>
+            <a:effectRef idx="0">
+              <a:schemeClr val="dk1"/>
+            </a:effectRef>
+            <a:fontRef idx="minor">
+              <a:schemeClr val="tx1"/>
+            </a:fontRef>
+          </p:style>
+        </p:cxnSp>
+        <p:cxnSp>
+          <p:nvCxnSpPr>
+            <p:cNvPr id="35" name="直線矢印コネクタ 34"/>
+            <p:cNvCxnSpPr>
+              <a:cxnSpLocks noChangeAspect="1"/>
+            </p:cNvCxnSpPr>
+            <p:nvPr/>
+          </p:nvCxnSpPr>
+          <p:spPr>
+            <a:xfrm>
+              <a:off x="15297828" y="10600486"/>
+              <a:ext cx="0" cy="239163"/>
+            </a:xfrm>
+            <a:prstGeom prst="straightConnector1">
+              <a:avLst/>
+            </a:prstGeom>
+            <a:ln w="38100">
+              <a:tailEnd type="arrow"/>
+            </a:ln>
+          </p:spPr>
+          <p:style>
+            <a:lnRef idx="1">
+              <a:schemeClr val="dk1"/>
+            </a:lnRef>
+            <a:fillRef idx="0">
+              <a:schemeClr val="dk1"/>
+            </a:fillRef>
+            <a:effectRef idx="0">
+              <a:schemeClr val="dk1"/>
+            </a:effectRef>
+            <a:fontRef idx="minor">
+              <a:schemeClr val="tx1"/>
+            </a:fontRef>
+          </p:style>
+        </p:cxnSp>
+        <p:cxnSp>
+          <p:nvCxnSpPr>
+            <p:cNvPr id="36" name="直線コネクタ 35"/>
+            <p:cNvCxnSpPr>
+              <a:cxnSpLocks noChangeAspect="1"/>
+            </p:cNvCxnSpPr>
+            <p:nvPr/>
+          </p:nvCxnSpPr>
+          <p:spPr>
+            <a:xfrm>
+              <a:off x="15036333" y="10600486"/>
+              <a:ext cx="253282" cy="0"/>
+            </a:xfrm>
+            <a:prstGeom prst="line">
+              <a:avLst/>
+            </a:prstGeom>
+            <a:ln w="38100"/>
+          </p:spPr>
+          <p:style>
+            <a:lnRef idx="1">
+              <a:schemeClr val="dk1"/>
+            </a:lnRef>
+            <a:fillRef idx="0">
+              <a:schemeClr val="dk1"/>
+            </a:fillRef>
+            <a:effectRef idx="0">
+              <a:schemeClr val="dk1"/>
+            </a:effectRef>
+            <a:fontRef idx="minor">
+              <a:schemeClr val="tx1"/>
+            </a:fontRef>
+          </p:style>
+        </p:cxnSp>
+        <p:cxnSp>
+          <p:nvCxnSpPr>
+            <p:cNvPr id="37" name="直線矢印コネクタ 36"/>
+            <p:cNvCxnSpPr>
+              <a:cxnSpLocks noChangeAspect="1"/>
+            </p:cNvCxnSpPr>
+            <p:nvPr/>
+          </p:nvCxnSpPr>
+          <p:spPr>
+            <a:xfrm>
+              <a:off x="15919363" y="10977872"/>
+              <a:ext cx="0" cy="239163"/>
+            </a:xfrm>
+            <a:prstGeom prst="straightConnector1">
+              <a:avLst/>
+            </a:prstGeom>
+            <a:ln w="38100">
+              <a:tailEnd type="arrow"/>
+            </a:ln>
+          </p:spPr>
+          <p:style>
+            <a:lnRef idx="1">
+              <a:schemeClr val="dk1"/>
+            </a:lnRef>
+            <a:fillRef idx="0">
+              <a:schemeClr val="dk1"/>
+            </a:fillRef>
+            <a:effectRef idx="0">
+              <a:schemeClr val="dk1"/>
+            </a:effectRef>
+            <a:fontRef idx="minor">
+              <a:schemeClr val="tx1"/>
+            </a:fontRef>
+          </p:style>
+        </p:cxnSp>
+        <p:cxnSp>
+          <p:nvCxnSpPr>
+            <p:cNvPr id="38" name="直線コネクタ 37"/>
+            <p:cNvCxnSpPr>
+              <a:cxnSpLocks noChangeAspect="1"/>
+            </p:cNvCxnSpPr>
+            <p:nvPr/>
+          </p:nvCxnSpPr>
+          <p:spPr>
+            <a:xfrm>
+              <a:off x="15657868" y="10977872"/>
+              <a:ext cx="253282" cy="0"/>
+            </a:xfrm>
+            <a:prstGeom prst="line">
+              <a:avLst/>
+            </a:prstGeom>
+            <a:ln w="38100"/>
+          </p:spPr>
+          <p:style>
+            <a:lnRef idx="1">
+              <a:schemeClr val="dk1"/>
+            </a:lnRef>
+            <a:fillRef idx="0">
+              <a:schemeClr val="dk1"/>
+            </a:fillRef>
+            <a:effectRef idx="0">
+              <a:schemeClr val="dk1"/>
+            </a:effectRef>
+            <a:fontRef idx="minor">
+              <a:schemeClr val="tx1"/>
+            </a:fontRef>
+          </p:style>
+        </p:cxnSp>
+        <p:cxnSp>
+          <p:nvCxnSpPr>
+            <p:cNvPr id="39" name="直線矢印コネクタ 38"/>
+            <p:cNvCxnSpPr>
+              <a:cxnSpLocks noChangeAspect="1"/>
+            </p:cNvCxnSpPr>
+            <p:nvPr/>
+          </p:nvCxnSpPr>
+          <p:spPr>
+            <a:xfrm>
+              <a:off x="13717736" y="9428216"/>
+              <a:ext cx="0" cy="239163"/>
+            </a:xfrm>
+            <a:prstGeom prst="straightConnector1">
+              <a:avLst/>
+            </a:prstGeom>
+            <a:ln w="38100">
+              <a:tailEnd type="arrow"/>
+            </a:ln>
+          </p:spPr>
+          <p:style>
+            <a:lnRef idx="1">
+              <a:schemeClr val="dk1"/>
+            </a:lnRef>
+            <a:fillRef idx="0">
+              <a:schemeClr val="dk1"/>
+            </a:fillRef>
+            <a:effectRef idx="0">
+              <a:schemeClr val="dk1"/>
+            </a:effectRef>
+            <a:fontRef idx="minor">
+              <a:schemeClr val="tx1"/>
+            </a:fontRef>
+          </p:style>
+        </p:cxnSp>
+        <p:cxnSp>
+          <p:nvCxnSpPr>
+            <p:cNvPr id="40" name="直線コネクタ 39"/>
+            <p:cNvCxnSpPr>
+              <a:cxnSpLocks noChangeAspect="1"/>
+            </p:cNvCxnSpPr>
+            <p:nvPr/>
+          </p:nvCxnSpPr>
+          <p:spPr>
+            <a:xfrm>
+              <a:off x="13728087" y="9428216"/>
+              <a:ext cx="253282" cy="0"/>
+            </a:xfrm>
+            <a:prstGeom prst="line">
+              <a:avLst/>
+            </a:prstGeom>
+            <a:ln w="38100"/>
+          </p:spPr>
+          <p:style>
+            <a:lnRef idx="1">
+              <a:schemeClr val="dk1"/>
+            </a:lnRef>
+            <a:fillRef idx="0">
+              <a:schemeClr val="dk1"/>
+            </a:fillRef>
+            <a:effectRef idx="0">
+              <a:schemeClr val="dk1"/>
+            </a:effectRef>
+            <a:fontRef idx="minor">
+              <a:schemeClr val="tx1"/>
+            </a:fontRef>
+          </p:style>
+        </p:cxnSp>
+        <p:cxnSp>
+          <p:nvCxnSpPr>
+            <p:cNvPr id="41" name="直線矢印コネクタ 40"/>
+            <p:cNvCxnSpPr>
+              <a:cxnSpLocks noChangeAspect="1"/>
+            </p:cNvCxnSpPr>
+            <p:nvPr/>
+          </p:nvCxnSpPr>
+          <p:spPr>
+            <a:xfrm>
+              <a:off x="12195453" y="7587713"/>
+              <a:ext cx="0" cy="241978"/>
+            </a:xfrm>
+            <a:prstGeom prst="straightConnector1">
+              <a:avLst/>
+            </a:prstGeom>
+            <a:ln w="38100">
+              <a:prstDash val="sysDot"/>
+              <a:tailEnd type="arrow"/>
+            </a:ln>
+          </p:spPr>
+          <p:style>
+            <a:lnRef idx="1">
+              <a:schemeClr val="dk1"/>
+            </a:lnRef>
+            <a:fillRef idx="0">
+              <a:schemeClr val="dk1"/>
+            </a:fillRef>
+            <a:effectRef idx="0">
+              <a:schemeClr val="dk1"/>
+            </a:effectRef>
+            <a:fontRef idx="minor">
+              <a:schemeClr val="tx1"/>
+            </a:fontRef>
+          </p:style>
+        </p:cxnSp>
+        <p:cxnSp>
+          <p:nvCxnSpPr>
+            <p:cNvPr id="42" name="直線コネクタ 41"/>
+            <p:cNvCxnSpPr>
+              <a:cxnSpLocks noChangeAspect="1"/>
+            </p:cNvCxnSpPr>
+            <p:nvPr/>
+          </p:nvCxnSpPr>
+          <p:spPr>
+            <a:xfrm>
+              <a:off x="12195452" y="7579147"/>
+              <a:ext cx="3960000" cy="0"/>
+            </a:xfrm>
+            <a:prstGeom prst="line">
+              <a:avLst/>
+            </a:prstGeom>
+            <a:ln w="38100">
+              <a:prstDash val="sysDot"/>
+            </a:ln>
+          </p:spPr>
+          <p:style>
+            <a:lnRef idx="1">
+              <a:schemeClr val="dk1"/>
+            </a:lnRef>
+            <a:fillRef idx="0">
+              <a:schemeClr val="dk1"/>
+            </a:fillRef>
+            <a:effectRef idx="0">
+              <a:schemeClr val="dk1"/>
+            </a:effectRef>
+            <a:fontRef idx="minor">
+              <a:schemeClr val="tx1"/>
+            </a:fontRef>
+          </p:style>
+        </p:cxnSp>
+        <p:cxnSp>
+          <p:nvCxnSpPr>
+            <p:cNvPr id="43" name="直線コネクタ 42"/>
+            <p:cNvCxnSpPr>
+              <a:cxnSpLocks noChangeAspect="1"/>
+            </p:cNvCxnSpPr>
+            <p:nvPr/>
+          </p:nvCxnSpPr>
+          <p:spPr>
+            <a:xfrm>
+              <a:off x="16110937" y="7579149"/>
+              <a:ext cx="0" cy="3636000"/>
+            </a:xfrm>
+            <a:prstGeom prst="line">
+              <a:avLst/>
+            </a:prstGeom>
+            <a:ln w="38100">
+              <a:prstDash val="sysDot"/>
+            </a:ln>
+          </p:spPr>
+          <p:style>
+            <a:lnRef idx="1">
+              <a:schemeClr val="dk1"/>
+            </a:lnRef>
+            <a:fillRef idx="0">
+              <a:schemeClr val="dk1"/>
+            </a:fillRef>
+            <a:effectRef idx="0">
+              <a:schemeClr val="dk1"/>
+            </a:effectRef>
+            <a:fontRef idx="minor">
+              <a:schemeClr val="tx1"/>
+            </a:fontRef>
+          </p:style>
+        </p:cxnSp>
+      </p:grpSp>
+      <p:sp>
+        <p:nvSpPr>
+          <p:cNvPr id="2" name="円/楕円 1"/>
+          <p:cNvSpPr/>
+          <p:nvPr/>
+        </p:nvSpPr>
+        <p:spPr>
+          <a:xfrm>
+            <a:off x="3700406" y="3138330"/>
+            <a:ext cx="2103228" cy="1032368"/>
+          </a:xfrm>
+          <a:prstGeom prst="ellipse">
+            <a:avLst/>
+          </a:prstGeom>
+          <a:noFill/>
+          <a:ln w="76200">
+            <a:solidFill>
+              <a:schemeClr val="tx2"/>
+            </a:solidFill>
+          </a:ln>
+        </p:spPr>
+        <p:style>
+          <a:lnRef idx="2">
+            <a:schemeClr val="accent1">
+              <a:shade val="50000"/>
+            </a:schemeClr>
+          </a:lnRef>
+          <a:fillRef idx="1">
+            <a:schemeClr val="accent1"/>
+          </a:fillRef>
+          <a:effectRef idx="0">
+            <a:schemeClr val="accent1"/>
+          </a:effectRef>
+          <a:fontRef idx="minor">
+            <a:schemeClr val="lt1"/>
+          </a:fontRef>
+        </p:style>
+        <p:txBody>
+          <a:bodyPr rtlCol="0" anchor="ctr"/>
+          <a:lstStyle/>
+          <a:p>
+            <a:pPr algn="ctr"/>
+            <a:endParaRPr kumimoji="1" lang="ja-JP" altLang="en-US"/>
+          </a:p>
+        </p:txBody>
+      </p:sp>
+      <p:sp>
+        <p:nvSpPr>
+          <p:cNvPr id="44" name="円/楕円 43"/>
+          <p:cNvSpPr/>
+          <p:nvPr/>
+        </p:nvSpPr>
+        <p:spPr>
+          <a:xfrm>
+            <a:off x="5243788" y="4916296"/>
+            <a:ext cx="2103228" cy="1032368"/>
+          </a:xfrm>
+          <a:prstGeom prst="ellipse">
+            <a:avLst/>
+          </a:prstGeom>
+          <a:noFill/>
+          <a:ln w="76200">
+            <a:solidFill>
+              <a:schemeClr val="tx2"/>
+            </a:solidFill>
+          </a:ln>
+        </p:spPr>
+        <p:style>
+          <a:lnRef idx="2">
+            <a:schemeClr val="accent1">
+              <a:shade val="50000"/>
+            </a:schemeClr>
+          </a:lnRef>
+          <a:fillRef idx="1">
+            <a:schemeClr val="accent1"/>
+          </a:fillRef>
+          <a:effectRef idx="0">
+            <a:schemeClr val="accent1"/>
+          </a:effectRef>
+          <a:fontRef idx="minor">
+            <a:schemeClr val="lt1"/>
+          </a:fontRef>
+        </p:style>
+        <p:txBody>
+          <a:bodyPr rtlCol="0" anchor="ctr"/>
+          <a:lstStyle/>
+          <a:p>
+            <a:pPr algn="ctr"/>
+            <a:endParaRPr kumimoji="1" lang="ja-JP" altLang="en-US"/>
+          </a:p>
+        </p:txBody>
+      </p:sp>
     </p:spTree>
     <p:extLst>
       <p:ext uri="{BB962C8B-B14F-4D97-AF65-F5344CB8AC3E}">
-        <p14:creationId xmlns:p14="http://schemas.microsoft.com/office/powerpoint/2010/main" val="2021359163"/>
+        <p14:creationId xmlns:p14="http://schemas.microsoft.com/office/powerpoint/2010/main" val="3523633934"/>
       </p:ext>
     </p:extLst>
   </p:cSld>
@@ -6364,7 +8420,7 @@
 </p:sld>
 </file>
 
-<file path=ppt/slides/slide4.xml><?xml version="1.0" encoding="utf-8"?>
+<file path=ppt/slides/slide5.xml><?xml version="1.0" encoding="utf-8"?>
 <p:sld xmlns:a="http://schemas.openxmlformats.org/drawingml/2006/main" xmlns:r="http://schemas.openxmlformats.org/officeDocument/2006/relationships" xmlns:p="http://schemas.openxmlformats.org/presentationml/2006/main">
   <p:cSld>
     <p:spTree>
@@ -6444,7 +8500,7 @@
           <a:p>
             <a:fld id="{515FC477-0A05-4F3E-8EE9-E015C9089D56}" type="slidenum">
               <a:rPr lang="en-US" altLang="ja-JP" smtClean="0"/>
-              <a:t>4</a:t>
+              <a:t>5</a:t>
             </a:fld>
             <a:endParaRPr kumimoji="0" lang="ja-JP" altLang="en-US" dirty="0"/>
           </a:p>
@@ -6489,10 +8545,22 @@
           </a:lstStyle>
           <a:p>
             <a:r>
+              <a:rPr kumimoji="1" lang="ja-JP" altLang="en-US" sz="3200" b="1" dirty="0"/>
+              <a:t>先行</a:t>
+            </a:r>
+            <a:r>
               <a:rPr kumimoji="1" lang="ja-JP" altLang="en-US" sz="3200" b="1" dirty="0" smtClean="0"/>
-              <a:t>背景</a:t>
-            </a:r>
-            <a:endParaRPr kumimoji="1" lang="ja-JP" altLang="en-US" sz="3200" b="1" dirty="0"/>
+              <a:t>研究</a:t>
+            </a:r>
+            <a:r>
+              <a:rPr kumimoji="1" lang="en-US" altLang="ja-JP" sz="3200" b="1" dirty="0" smtClean="0"/>
+              <a:t>-</a:t>
+            </a:r>
+            <a:r>
+              <a:rPr kumimoji="1" lang="ja-JP" altLang="en-US" sz="2400" dirty="0" smtClean="0"/>
+              <a:t>ソフトウェア開発</a:t>
+            </a:r>
+            <a:endParaRPr kumimoji="1" lang="ja-JP" altLang="en-US" sz="2400" dirty="0"/>
           </a:p>
         </p:txBody>
       </p:sp>
@@ -6738,7 +8806,7 @@
     </p:spTree>
     <p:extLst>
       <p:ext uri="{BB962C8B-B14F-4D97-AF65-F5344CB8AC3E}">
-        <p14:creationId xmlns:p14="http://schemas.microsoft.com/office/powerpoint/2010/main" val="3264340023"/>
+        <p14:creationId xmlns:p14="http://schemas.microsoft.com/office/powerpoint/2010/main" val="3641264183"/>
       </p:ext>
     </p:extLst>
   </p:cSld>
@@ -6758,7 +8826,7 @@
 </p:sld>
 </file>
 
-<file path=ppt/slides/slide5.xml><?xml version="1.0" encoding="utf-8"?>
+<file path=ppt/slides/slide6.xml><?xml version="1.0" encoding="utf-8"?>
 <p:sld xmlns:a="http://schemas.openxmlformats.org/drawingml/2006/main" xmlns:r="http://schemas.openxmlformats.org/officeDocument/2006/relationships" xmlns:p="http://schemas.openxmlformats.org/presentationml/2006/main">
   <p:cSld>
     <p:spTree>
@@ -6838,7 +8906,7 @@
           <a:p>
             <a:fld id="{515FC477-0A05-4F3E-8EE9-E015C9089D56}" type="slidenum">
               <a:rPr lang="en-US" altLang="ja-JP" smtClean="0"/>
-              <a:t>5</a:t>
+              <a:t>6</a:t>
             </a:fld>
             <a:endParaRPr kumimoji="0" lang="ja-JP" altLang="en-US" dirty="0"/>
           </a:p>
@@ -6884,8 +8952,29 @@
           <a:p>
             <a:r>
               <a:rPr kumimoji="1" lang="ja-JP" altLang="en-US" sz="3200" b="1" dirty="0"/>
-              <a:t>目的</a:t>
-            </a:r>
+              <a:t>先行</a:t>
+            </a:r>
+            <a:r>
+              <a:rPr kumimoji="1" lang="ja-JP" altLang="en-US" sz="3200" b="1" dirty="0" smtClean="0"/>
+              <a:t>研究</a:t>
+            </a:r>
+            <a:r>
+              <a:rPr kumimoji="1" lang="en-US" altLang="ja-JP" sz="3200" b="1" dirty="0" smtClean="0"/>
+              <a:t>-</a:t>
+            </a:r>
+            <a:r>
+              <a:rPr kumimoji="1" lang="en-US" altLang="ja-JP" sz="2400" dirty="0" err="1" smtClean="0"/>
+              <a:t>Git</a:t>
+            </a:r>
+            <a:r>
+              <a:rPr kumimoji="1" lang="ja-JP" altLang="en-US" sz="2400" dirty="0" smtClean="0"/>
+              <a:t>・</a:t>
+            </a:r>
+            <a:r>
+              <a:rPr kumimoji="1" lang="en-US" altLang="ja-JP" sz="2400" dirty="0" smtClean="0"/>
+              <a:t>GitHub</a:t>
+            </a:r>
+            <a:endParaRPr kumimoji="1" lang="ja-JP" altLang="en-US" sz="2400" dirty="0"/>
           </a:p>
         </p:txBody>
       </p:sp>
@@ -7131,7 +9220,7 @@
     </p:spTree>
     <p:extLst>
       <p:ext uri="{BB962C8B-B14F-4D97-AF65-F5344CB8AC3E}">
-        <p14:creationId xmlns:p14="http://schemas.microsoft.com/office/powerpoint/2010/main" val="3523633934"/>
+        <p14:creationId xmlns:p14="http://schemas.microsoft.com/office/powerpoint/2010/main" val="2835596219"/>
       </p:ext>
     </p:extLst>
   </p:cSld>
@@ -7151,7 +9240,7 @@
 </p:sld>
 </file>
 
-<file path=ppt/slides/slide6.xml><?xml version="1.0" encoding="utf-8"?>
+<file path=ppt/slides/slide7.xml><?xml version="1.0" encoding="utf-8"?>
 <p:sld xmlns:a="http://schemas.openxmlformats.org/drawingml/2006/main" xmlns:r="http://schemas.openxmlformats.org/officeDocument/2006/relationships" xmlns:p="http://schemas.openxmlformats.org/presentationml/2006/main">
   <p:cSld>
     <p:spTree>
@@ -7231,7 +9320,7 @@
           <a:p>
             <a:fld id="{515FC477-0A05-4F3E-8EE9-E015C9089D56}" type="slidenum">
               <a:rPr lang="en-US" altLang="ja-JP" smtClean="0"/>
-              <a:t>6</a:t>
+              <a:t>7</a:t>
             </a:fld>
             <a:endParaRPr kumimoji="0" lang="ja-JP" altLang="en-US" dirty="0"/>
           </a:p>
@@ -7289,7 +9378,7 @@
             </a:r>
             <a:r>
               <a:rPr kumimoji="1" lang="ja-JP" altLang="en-US" sz="2400" dirty="0" smtClean="0"/>
-              <a:t>ソフトウェア開発</a:t>
+              <a:t>ツール</a:t>
             </a:r>
             <a:endParaRPr kumimoji="1" lang="ja-JP" altLang="en-US" sz="2400" dirty="0"/>
           </a:p>
@@ -7534,10 +9623,1306 @@
           </a:fontRef>
         </p:style>
       </p:cxnSp>
+      <p:sp>
+        <p:nvSpPr>
+          <p:cNvPr id="2" name="Rectangle 2"/>
+          <p:cNvSpPr>
+            <a:spLocks noChangeArrowheads="1"/>
+          </p:cNvSpPr>
+          <p:nvPr/>
+        </p:nvSpPr>
+        <p:spPr bwMode="auto">
+          <a:xfrm>
+            <a:off x="0" y="0"/>
+            <a:ext cx="9144000" cy="457200"/>
+          </a:xfrm>
+          <a:prstGeom prst="rect">
+            <a:avLst/>
+          </a:prstGeom>
+          <a:noFill/>
+          <a:ln>
+            <a:noFill/>
+          </a:ln>
+          <a:effectLst/>
+          <a:extLst>
+            <a:ext uri="{909E8E84-426E-40DD-AFC4-6F175D3DCCD1}">
+              <a14:hiddenFill xmlns:a14="http://schemas.microsoft.com/office/drawing/2010/main">
+                <a:solidFill>
+                  <a:schemeClr val="accent1"/>
+                </a:solidFill>
+              </a14:hiddenFill>
+            </a:ext>
+            <a:ext uri="{91240B29-F687-4F45-9708-019B960494DF}">
+              <a14:hiddenLine xmlns:a14="http://schemas.microsoft.com/office/drawing/2010/main" w="9525">
+                <a:solidFill>
+                  <a:schemeClr val="tx1"/>
+                </a:solidFill>
+                <a:miter lim="800000"/>
+                <a:headEnd/>
+                <a:tailEnd/>
+              </a14:hiddenLine>
+            </a:ext>
+            <a:ext uri="{AF507438-7753-43E0-B8FC-AC1667EBCBE1}">
+              <a14:hiddenEffects xmlns:a14="http://schemas.microsoft.com/office/drawing/2010/main">
+                <a:effectLst>
+                  <a:outerShdw dist="35921" dir="2700000" algn="ctr" rotWithShape="0">
+                    <a:schemeClr val="bg2"/>
+                  </a:outerShdw>
+                </a:effectLst>
+              </a14:hiddenEffects>
+            </a:ext>
+          </a:extLst>
+        </p:spPr>
+        <p:txBody>
+          <a:bodyPr vert="horz" wrap="none" lIns="91440" tIns="45720" rIns="91440" bIns="45720" numCol="1" anchor="ctr" anchorCtr="0" compatLnSpc="1">
+            <a:prstTxWarp prst="textNoShape">
+              <a:avLst/>
+            </a:prstTxWarp>
+            <a:spAutoFit/>
+          </a:bodyPr>
+          <a:lstStyle/>
+          <a:p>
+            <a:endParaRPr lang="ja-JP" altLang="en-US"/>
+          </a:p>
+        </p:txBody>
+      </p:sp>
+      <p:graphicFrame>
+        <p:nvGraphicFramePr>
+          <p:cNvPr id="3" name="オブジェクト 2"/>
+          <p:cNvGraphicFramePr>
+            <a:graphicFrameLocks/>
+          </p:cNvGraphicFramePr>
+          <p:nvPr>
+            <p:extLst>
+              <p:ext uri="{D42A27DB-BD31-4B8C-83A1-F6EECF244321}">
+                <p14:modId xmlns:p14="http://schemas.microsoft.com/office/powerpoint/2010/main" val="4072508349"/>
+              </p:ext>
+            </p:extLst>
+          </p:nvPr>
+        </p:nvGraphicFramePr>
+        <p:xfrm>
+          <a:off x="576880" y="1593692"/>
+          <a:ext cx="3312368" cy="4560507"/>
+        </p:xfrm>
+        <a:graphic>
+          <a:graphicData uri="http://schemas.openxmlformats.org/presentationml/2006/ole">
+            <mc:AlternateContent xmlns:mc="http://schemas.openxmlformats.org/markup-compatibility/2006">
+              <mc:Choice xmlns:v="urn:schemas-microsoft-com:vml" Requires="v">
+                <p:oleObj spid="_x0000_s2052" name="ワークシート" r:id="rId3" imgW="5010272" imgH="10010711" progId="Excel.Sheet.12">
+                  <p:embed/>
+                </p:oleObj>
+              </mc:Choice>
+              <mc:Fallback>
+                <p:oleObj name="ワークシート" r:id="rId3" imgW="5010272" imgH="10010711" progId="Excel.Sheet.12">
+                  <p:embed/>
+                  <p:pic>
+                    <p:nvPicPr>
+                      <p:cNvPr id="0" name="Object 1"/>
+                      <p:cNvPicPr>
+                        <a:picLocks noChangeArrowheads="1"/>
+                      </p:cNvPicPr>
+                      <p:nvPr/>
+                    </p:nvPicPr>
+                    <p:blipFill>
+                      <a:blip r:embed="rId4">
+                        <a:extLst>
+                          <a:ext uri="{28A0092B-C50C-407E-A947-70E740481C1C}">
+                            <a14:useLocalDpi xmlns:a14="http://schemas.microsoft.com/office/drawing/2010/main" val="0"/>
+                          </a:ext>
+                        </a:extLst>
+                      </a:blip>
+                      <a:srcRect/>
+                      <a:stretch>
+                        <a:fillRect/>
+                      </a:stretch>
+                    </p:blipFill>
+                    <p:spPr bwMode="auto">
+                      <a:xfrm>
+                        <a:off x="576880" y="1593692"/>
+                        <a:ext cx="3312368" cy="4560507"/>
+                      </a:xfrm>
+                      <a:prstGeom prst="rect">
+                        <a:avLst/>
+                      </a:prstGeom>
+                      <a:noFill/>
+                    </p:spPr>
+                  </p:pic>
+                </p:oleObj>
+              </mc:Fallback>
+            </mc:AlternateContent>
+          </a:graphicData>
+        </a:graphic>
+      </p:graphicFrame>
+      <p:grpSp>
+        <p:nvGrpSpPr>
+          <p:cNvPr id="11" name="キャンバス 28"/>
+          <p:cNvGrpSpPr/>
+          <p:nvPr/>
+        </p:nvGrpSpPr>
+        <p:grpSpPr>
+          <a:xfrm>
+            <a:off x="3894101" y="2292422"/>
+            <a:ext cx="4549553" cy="3624424"/>
+            <a:chOff x="0" y="0"/>
+            <a:chExt cx="5770880" cy="4597400"/>
+          </a:xfrm>
+        </p:grpSpPr>
+        <p:sp>
+          <p:nvSpPr>
+            <p:cNvPr id="12" name="正方形/長方形 11"/>
+            <p:cNvSpPr/>
+            <p:nvPr/>
+          </p:nvSpPr>
+          <p:spPr>
+            <a:xfrm>
+              <a:off x="0" y="0"/>
+              <a:ext cx="5770880" cy="4597400"/>
+            </a:xfrm>
+            <a:prstGeom prst="rect">
+              <a:avLst/>
+            </a:prstGeom>
+            <a:ln>
+              <a:solidFill>
+                <a:schemeClr val="tx1"/>
+              </a:solidFill>
+            </a:ln>
+          </p:spPr>
+        </p:sp>
+        <p:sp>
+          <p:nvSpPr>
+            <p:cNvPr id="13" name="円柱 12"/>
+            <p:cNvSpPr/>
+            <p:nvPr/>
+          </p:nvSpPr>
+          <p:spPr>
+            <a:xfrm>
+              <a:off x="4546042" y="267419"/>
+              <a:ext cx="914400" cy="681487"/>
+            </a:xfrm>
+            <a:prstGeom prst="can">
+              <a:avLst/>
+            </a:prstGeom>
+            <a:solidFill>
+              <a:sysClr val="window" lastClr="FFFFFF"/>
+            </a:solidFill>
+            <a:ln w="25400" cap="flat" cmpd="sng" algn="ctr">
+              <a:solidFill>
+                <a:sysClr val="windowText" lastClr="000000"/>
+              </a:solidFill>
+              <a:prstDash val="solid"/>
+            </a:ln>
+            <a:effectLst/>
+          </p:spPr>
+          <p:txBody>
+            <a:bodyPr rot="0" spcFirstLastPara="0" vert="horz" wrap="square" lIns="91440" tIns="45720" rIns="91440" bIns="45720" numCol="1" spcCol="0" rtlCol="0" fromWordArt="0" anchor="ctr" anchorCtr="0" forceAA="0" compatLnSpc="1">
+              <a:prstTxWarp prst="textNoShape">
+                <a:avLst/>
+              </a:prstTxWarp>
+              <a:noAutofit/>
+            </a:bodyPr>
+            <a:lstStyle/>
+            <a:p>
+              <a:pPr algn="ctr">
+                <a:spcAft>
+                  <a:spcPts val="0"/>
+                </a:spcAft>
+              </a:pPr>
+              <a:r>
+                <a:rPr lang="en-US" sz="1200" b="1" kern="100">
+                  <a:effectLst/>
+                  <a:latin typeface="Century"/>
+                  <a:ea typeface="ＭＳ 明朝"/>
+                  <a:cs typeface="Times New Roman"/>
+                </a:rPr>
+                <a:t>GitHub</a:t>
+              </a:r>
+              <a:endParaRPr lang="ja-JP" sz="1050" kern="100">
+                <a:effectLst/>
+                <a:latin typeface="Century"/>
+                <a:ea typeface="ＭＳ 明朝"/>
+                <a:cs typeface="Times New Roman"/>
+              </a:endParaRPr>
+            </a:p>
+          </p:txBody>
+        </p:sp>
+        <p:sp>
+          <p:nvSpPr>
+            <p:cNvPr id="14" name="正方形/長方形 13"/>
+            <p:cNvSpPr/>
+            <p:nvPr/>
+          </p:nvSpPr>
+          <p:spPr>
+            <a:xfrm>
+              <a:off x="155261" y="1078005"/>
+              <a:ext cx="5564037" cy="3461940"/>
+            </a:xfrm>
+            <a:prstGeom prst="rect">
+              <a:avLst/>
+            </a:prstGeom>
+            <a:solidFill>
+              <a:sysClr val="window" lastClr="FFFFFF"/>
+            </a:solidFill>
+            <a:ln w="38100" cap="flat" cmpd="sng" algn="ctr">
+              <a:solidFill>
+                <a:sysClr val="windowText" lastClr="000000"/>
+              </a:solidFill>
+              <a:prstDash val="solid"/>
+            </a:ln>
+            <a:effectLst/>
+          </p:spPr>
+          <p:txBody>
+            <a:bodyPr rot="0" spcFirstLastPara="0" vert="horz" wrap="square" lIns="91440" tIns="45720" rIns="91440" bIns="45720" numCol="1" spcCol="0" rtlCol="0" fromWordArt="0" anchor="ctr" anchorCtr="0" forceAA="0" compatLnSpc="1">
+              <a:prstTxWarp prst="textNoShape">
+                <a:avLst/>
+              </a:prstTxWarp>
+              <a:noAutofit/>
+            </a:bodyPr>
+            <a:lstStyle/>
+            <a:p>
+              <a:endParaRPr lang="ja-JP" altLang="en-US"/>
+            </a:p>
+          </p:txBody>
+        </p:sp>
+        <p:sp>
+          <p:nvSpPr>
+            <p:cNvPr id="15" name="正方形/長方形 14"/>
+            <p:cNvSpPr/>
+            <p:nvPr/>
+          </p:nvSpPr>
+          <p:spPr>
+            <a:xfrm>
+              <a:off x="1089394" y="1077982"/>
+              <a:ext cx="3618600" cy="3433549"/>
+            </a:xfrm>
+            <a:prstGeom prst="rect">
+              <a:avLst/>
+            </a:prstGeom>
+            <a:blipFill dpi="0" rotWithShape="1">
+              <a:blip r:embed="rId5">
+                <a:alphaModFix amt="10000"/>
+              </a:blip>
+              <a:srcRect/>
+              <a:stretch>
+                <a:fillRect/>
+              </a:stretch>
+            </a:blipFill>
+            <a:ln w="25400" cap="flat" cmpd="sng" algn="ctr">
+              <a:noFill/>
+              <a:prstDash val="solid"/>
+            </a:ln>
+            <a:effectLst/>
+          </p:spPr>
+          <p:txBody>
+            <a:bodyPr rot="0" spcFirstLastPara="0" vert="horz" wrap="square" lIns="91440" tIns="45720" rIns="91440" bIns="45720" numCol="1" spcCol="0" rtlCol="0" fromWordArt="0" anchor="ctr" anchorCtr="0" forceAA="0" compatLnSpc="1">
+              <a:prstTxWarp prst="textNoShape">
+                <a:avLst/>
+              </a:prstTxWarp>
+              <a:noAutofit/>
+            </a:bodyPr>
+            <a:lstStyle/>
+            <a:p>
+              <a:endParaRPr lang="ja-JP" altLang="en-US"/>
+            </a:p>
+          </p:txBody>
+        </p:sp>
+        <p:pic>
+          <p:nvPicPr>
+            <p:cNvPr id="16" name="図 15"/>
+            <p:cNvPicPr>
+              <a:picLocks noChangeAspect="1"/>
+            </p:cNvPicPr>
+            <p:nvPr/>
+          </p:nvPicPr>
+          <p:blipFill>
+            <a:blip r:embed="rId6" cstate="email">
+              <a:extLst>
+                <a:ext uri="{28A0092B-C50C-407E-A947-70E740481C1C}">
+                  <a14:useLocalDpi xmlns:a14="http://schemas.microsoft.com/office/drawing/2010/main" val="0"/>
+                </a:ext>
+              </a:extLst>
+            </a:blip>
+            <a:stretch>
+              <a:fillRect/>
+            </a:stretch>
+          </p:blipFill>
+          <p:spPr>
+            <a:xfrm>
+              <a:off x="224279" y="267423"/>
+              <a:ext cx="1066800" cy="1066800"/>
+            </a:xfrm>
+            <a:prstGeom prst="rect">
+              <a:avLst/>
+            </a:prstGeom>
+          </p:spPr>
+        </p:pic>
+        <p:cxnSp>
+          <p:nvCxnSpPr>
+            <p:cNvPr id="17" name="直線矢印コネクタ 16"/>
+            <p:cNvCxnSpPr/>
+            <p:nvPr/>
+          </p:nvCxnSpPr>
+          <p:spPr>
+            <a:xfrm>
+              <a:off x="1403225" y="370936"/>
+              <a:ext cx="2918608" cy="0"/>
+            </a:xfrm>
+            <a:prstGeom prst="straightConnector1">
+              <a:avLst/>
+            </a:prstGeom>
+            <a:noFill/>
+            <a:ln w="31750" cap="flat" cmpd="sng" algn="ctr">
+              <a:solidFill>
+                <a:sysClr val="windowText" lastClr="000000">
+                  <a:shade val="95000"/>
+                  <a:satMod val="105000"/>
+                </a:sysClr>
+              </a:solidFill>
+              <a:prstDash val="solid"/>
+              <a:tailEnd type="stealth"/>
+            </a:ln>
+            <a:effectLst/>
+          </p:spPr>
+        </p:cxnSp>
+        <p:cxnSp>
+          <p:nvCxnSpPr>
+            <p:cNvPr id="18" name="直線矢印コネクタ 17"/>
+            <p:cNvCxnSpPr/>
+            <p:nvPr/>
+          </p:nvCxnSpPr>
+          <p:spPr>
+            <a:xfrm flipH="1">
+              <a:off x="1403379" y="731995"/>
+              <a:ext cx="2918460" cy="0"/>
+            </a:xfrm>
+            <a:prstGeom prst="straightConnector1">
+              <a:avLst/>
+            </a:prstGeom>
+            <a:noFill/>
+            <a:ln w="31750" cap="flat" cmpd="sng" algn="ctr">
+              <a:solidFill>
+                <a:sysClr val="windowText" lastClr="000000">
+                  <a:shade val="95000"/>
+                  <a:satMod val="105000"/>
+                </a:sysClr>
+              </a:solidFill>
+              <a:prstDash val="solid"/>
+              <a:tailEnd type="stealth"/>
+            </a:ln>
+            <a:effectLst/>
+          </p:spPr>
+        </p:cxnSp>
+        <p:grpSp>
+          <p:nvGrpSpPr>
+            <p:cNvPr id="19" name="グループ化 18"/>
+            <p:cNvGrpSpPr/>
+            <p:nvPr/>
+          </p:nvGrpSpPr>
+          <p:grpSpPr>
+            <a:xfrm>
+              <a:off x="2442053" y="417350"/>
+              <a:ext cx="922249" cy="597692"/>
+              <a:chOff x="2442053" y="417350"/>
+              <a:chExt cx="922249" cy="597692"/>
+            </a:xfrm>
+          </p:grpSpPr>
+          <p:pic>
+            <p:nvPicPr>
+              <p:cNvPr id="56" name="図 55"/>
+              <p:cNvPicPr>
+                <a:picLocks noChangeAspect="1"/>
+              </p:cNvPicPr>
+              <p:nvPr/>
+            </p:nvPicPr>
+            <p:blipFill>
+              <a:blip r:embed="rId7" cstate="email">
+                <a:extLst>
+                  <a:ext uri="{28A0092B-C50C-407E-A947-70E740481C1C}">
+                    <a14:useLocalDpi xmlns:a14="http://schemas.microsoft.com/office/drawing/2010/main" val="0"/>
+                  </a:ext>
+                </a:extLst>
+              </a:blip>
+              <a:stretch>
+                <a:fillRect/>
+              </a:stretch>
+            </p:blipFill>
+            <p:spPr>
+              <a:xfrm>
+                <a:off x="2442053" y="417350"/>
+                <a:ext cx="922249" cy="597692"/>
+              </a:xfrm>
+              <a:prstGeom prst="rect">
+                <a:avLst/>
+              </a:prstGeom>
+            </p:spPr>
+          </p:pic>
+          <p:sp>
+            <p:nvSpPr>
+              <p:cNvPr id="57" name="テキスト ボックス 126"/>
+              <p:cNvSpPr txBox="1"/>
+              <p:nvPr/>
+            </p:nvSpPr>
+            <p:spPr>
+              <a:xfrm>
+                <a:off x="2465395" y="518798"/>
+                <a:ext cx="865505" cy="496244"/>
+              </a:xfrm>
+              <a:prstGeom prst="rect">
+                <a:avLst/>
+              </a:prstGeom>
+              <a:noFill/>
+              <a:ln w="6350">
+                <a:noFill/>
+              </a:ln>
+              <a:effectLst/>
+            </p:spPr>
+            <p:txBody>
+              <a:bodyPr rot="0" spcFirstLastPara="0" vert="horz" wrap="none" lIns="91440" tIns="45720" rIns="91440" bIns="45720" numCol="1" spcCol="0" rtlCol="0" fromWordArt="0" anchor="ctr" anchorCtr="0" forceAA="0" compatLnSpc="1">
+                <a:prstTxWarp prst="textNoShape">
+                  <a:avLst/>
+                </a:prstTxWarp>
+                <a:noAutofit/>
+              </a:bodyPr>
+              <a:lstStyle/>
+              <a:p>
+                <a:pPr algn="ctr">
+                  <a:spcAft>
+                    <a:spcPts val="0"/>
+                  </a:spcAft>
+                </a:pPr>
+                <a:r>
+                  <a:rPr lang="ja-JP" sz="800" b="1" kern="100">
+                    <a:effectLst/>
+                    <a:latin typeface="Century"/>
+                    <a:ea typeface="ＭＳ 明朝"/>
+                    <a:cs typeface="Times New Roman"/>
+                  </a:rPr>
+                  <a:t>プロジェクト</a:t>
+                </a:r>
+                <a:endParaRPr lang="ja-JP" sz="1050" kern="100">
+                  <a:effectLst/>
+                  <a:latin typeface="Century"/>
+                  <a:ea typeface="ＭＳ 明朝"/>
+                  <a:cs typeface="Times New Roman"/>
+                </a:endParaRPr>
+              </a:p>
+              <a:p>
+                <a:pPr algn="ctr">
+                  <a:spcAft>
+                    <a:spcPts val="0"/>
+                  </a:spcAft>
+                </a:pPr>
+                <a:r>
+                  <a:rPr lang="ja-JP" sz="800" b="1" kern="100">
+                    <a:effectLst/>
+                    <a:latin typeface="Century"/>
+                    <a:ea typeface="ＭＳ 明朝"/>
+                    <a:cs typeface="Times New Roman"/>
+                  </a:rPr>
+                  <a:t>データ</a:t>
+                </a:r>
+                <a:endParaRPr lang="ja-JP" sz="1050" kern="100">
+                  <a:effectLst/>
+                  <a:latin typeface="Century"/>
+                  <a:ea typeface="ＭＳ 明朝"/>
+                  <a:cs typeface="Times New Roman"/>
+                </a:endParaRPr>
+              </a:p>
+            </p:txBody>
+          </p:sp>
+        </p:grpSp>
+        <p:grpSp>
+          <p:nvGrpSpPr>
+            <p:cNvPr id="20" name="グループ化 19"/>
+            <p:cNvGrpSpPr/>
+            <p:nvPr/>
+          </p:nvGrpSpPr>
+          <p:grpSpPr>
+            <a:xfrm>
+              <a:off x="300129" y="1335935"/>
+              <a:ext cx="922020" cy="597535"/>
+              <a:chOff x="0" y="0"/>
+              <a:chExt cx="922249" cy="597692"/>
+            </a:xfrm>
+          </p:grpSpPr>
+          <p:pic>
+            <p:nvPicPr>
+              <p:cNvPr id="54" name="図 53"/>
+              <p:cNvPicPr>
+                <a:picLocks noChangeAspect="1"/>
+              </p:cNvPicPr>
+              <p:nvPr/>
+            </p:nvPicPr>
+            <p:blipFill>
+              <a:blip r:embed="rId7" cstate="email">
+                <a:extLst>
+                  <a:ext uri="{28A0092B-C50C-407E-A947-70E740481C1C}">
+                    <a14:useLocalDpi xmlns:a14="http://schemas.microsoft.com/office/drawing/2010/main" val="0"/>
+                  </a:ext>
+                </a:extLst>
+              </a:blip>
+              <a:stretch>
+                <a:fillRect/>
+              </a:stretch>
+            </p:blipFill>
+            <p:spPr>
+              <a:xfrm>
+                <a:off x="0" y="0"/>
+                <a:ext cx="922249" cy="597692"/>
+              </a:xfrm>
+              <a:prstGeom prst="rect">
+                <a:avLst/>
+              </a:prstGeom>
+            </p:spPr>
+          </p:pic>
+          <p:sp>
+            <p:nvSpPr>
+              <p:cNvPr id="55" name="テキスト ボックス 3"/>
+              <p:cNvSpPr txBox="1"/>
+              <p:nvPr/>
+            </p:nvSpPr>
+            <p:spPr>
+              <a:xfrm>
+                <a:off x="23248" y="101448"/>
+                <a:ext cx="865720" cy="496065"/>
+              </a:xfrm>
+              <a:prstGeom prst="rect">
+                <a:avLst/>
+              </a:prstGeom>
+              <a:noFill/>
+              <a:ln w="6350">
+                <a:noFill/>
+              </a:ln>
+              <a:effectLst/>
+            </p:spPr>
+            <p:txBody>
+              <a:bodyPr rot="0" spcFirstLastPara="0" vert="horz" wrap="none" lIns="91440" tIns="45720" rIns="91440" bIns="45720" numCol="1" spcCol="0" rtlCol="0" fromWordArt="0" anchor="ctr" anchorCtr="0" forceAA="0" compatLnSpc="1">
+                <a:prstTxWarp prst="textNoShape">
+                  <a:avLst/>
+                </a:prstTxWarp>
+                <a:noAutofit/>
+              </a:bodyPr>
+              <a:lstStyle/>
+              <a:p>
+                <a:pPr algn="ctr">
+                  <a:spcAft>
+                    <a:spcPts val="0"/>
+                  </a:spcAft>
+                </a:pPr>
+                <a:r>
+                  <a:rPr lang="ja-JP" sz="800" b="1">
+                    <a:effectLst/>
+                    <a:latin typeface="ＭＳ Ｐゴシック"/>
+                    <a:ea typeface="ＭＳ 明朝"/>
+                    <a:cs typeface="Times New Roman"/>
+                  </a:rPr>
+                  <a:t>プロジェクト</a:t>
+                </a:r>
+                <a:endParaRPr lang="ja-JP" sz="1200">
+                  <a:effectLst/>
+                  <a:latin typeface="ＭＳ Ｐゴシック"/>
+                  <a:cs typeface="ＭＳ Ｐゴシック"/>
+                </a:endParaRPr>
+              </a:p>
+              <a:p>
+                <a:pPr algn="ctr">
+                  <a:spcAft>
+                    <a:spcPts val="0"/>
+                  </a:spcAft>
+                </a:pPr>
+                <a:r>
+                  <a:rPr lang="ja-JP" sz="800" b="1">
+                    <a:effectLst/>
+                    <a:latin typeface="ＭＳ Ｐゴシック"/>
+                    <a:ea typeface="ＭＳ 明朝"/>
+                    <a:cs typeface="Times New Roman"/>
+                  </a:rPr>
+                  <a:t>データ</a:t>
+                </a:r>
+                <a:endParaRPr lang="ja-JP" sz="1200">
+                  <a:effectLst/>
+                  <a:latin typeface="ＭＳ Ｐゴシック"/>
+                  <a:cs typeface="ＭＳ Ｐゴシック"/>
+                </a:endParaRPr>
+              </a:p>
+            </p:txBody>
+          </p:sp>
+        </p:grpSp>
+        <p:cxnSp>
+          <p:nvCxnSpPr>
+            <p:cNvPr id="21" name="直線矢印コネクタ 20"/>
+            <p:cNvCxnSpPr/>
+            <p:nvPr/>
+          </p:nvCxnSpPr>
+          <p:spPr>
+            <a:xfrm>
+              <a:off x="1349802" y="1672274"/>
+              <a:ext cx="2918460" cy="0"/>
+            </a:xfrm>
+            <a:prstGeom prst="straightConnector1">
+              <a:avLst/>
+            </a:prstGeom>
+            <a:noFill/>
+            <a:ln w="31750" cap="flat" cmpd="sng" algn="ctr">
+              <a:solidFill>
+                <a:sysClr val="windowText" lastClr="000000">
+                  <a:shade val="95000"/>
+                  <a:satMod val="105000"/>
+                </a:sysClr>
+              </a:solidFill>
+              <a:prstDash val="solid"/>
+              <a:tailEnd type="stealth"/>
+            </a:ln>
+            <a:effectLst/>
+          </p:spPr>
+        </p:cxnSp>
+        <p:pic>
+          <p:nvPicPr>
+            <p:cNvPr id="22" name="図 21"/>
+            <p:cNvPicPr>
+              <a:picLocks noChangeAspect="1"/>
+            </p:cNvPicPr>
+            <p:nvPr/>
+          </p:nvPicPr>
+          <p:blipFill>
+            <a:blip r:embed="rId8"/>
+            <a:stretch>
+              <a:fillRect/>
+            </a:stretch>
+          </p:blipFill>
+          <p:spPr>
+            <a:xfrm>
+              <a:off x="4339093" y="1142887"/>
+              <a:ext cx="742343" cy="747453"/>
+            </a:xfrm>
+            <a:prstGeom prst="rect">
+              <a:avLst/>
+            </a:prstGeom>
+          </p:spPr>
+        </p:pic>
+        <p:sp>
+          <p:nvSpPr>
+            <p:cNvPr id="23" name="テキスト ボックス 3"/>
+            <p:cNvSpPr txBox="1"/>
+            <p:nvPr/>
+          </p:nvSpPr>
+          <p:spPr>
+            <a:xfrm>
+              <a:off x="4237774" y="1758117"/>
+              <a:ext cx="1103630" cy="495935"/>
+            </a:xfrm>
+            <a:prstGeom prst="rect">
+              <a:avLst/>
+            </a:prstGeom>
+            <a:noFill/>
+            <a:ln w="6350">
+              <a:noFill/>
+            </a:ln>
+            <a:effectLst/>
+          </p:spPr>
+          <p:txBody>
+            <a:bodyPr rot="0" spcFirstLastPara="0" vert="horz" wrap="none" lIns="91440" tIns="45720" rIns="91440" bIns="45720" numCol="1" spcCol="0" rtlCol="0" fromWordArt="0" anchor="ctr" anchorCtr="0" forceAA="0" compatLnSpc="1">
+              <a:prstTxWarp prst="textNoShape">
+                <a:avLst/>
+              </a:prstTxWarp>
+              <a:noAutofit/>
+            </a:bodyPr>
+            <a:lstStyle/>
+            <a:p>
+              <a:pPr algn="ctr">
+                <a:spcAft>
+                  <a:spcPts val="0"/>
+                </a:spcAft>
+              </a:pPr>
+              <a:r>
+                <a:rPr lang="ja-JP" sz="800" b="1">
+                  <a:effectLst/>
+                  <a:latin typeface="ＭＳ Ｐゴシック"/>
+                  <a:ea typeface="ＭＳ 明朝"/>
+                  <a:cs typeface="Times New Roman"/>
+                </a:rPr>
+                <a:t>コミット情報</a:t>
+              </a:r>
+              <a:r>
+                <a:rPr lang="en-US" sz="800" b="1">
+                  <a:effectLst/>
+                  <a:latin typeface="ＭＳ Ｐゴシック"/>
+                  <a:ea typeface="ＭＳ 明朝"/>
+                  <a:cs typeface="Times New Roman"/>
+                </a:rPr>
+                <a:t>CSV</a:t>
+              </a:r>
+              <a:endParaRPr lang="ja-JP" sz="1200">
+                <a:effectLst/>
+                <a:latin typeface="ＭＳ Ｐゴシック"/>
+                <a:cs typeface="ＭＳ Ｐゴシック"/>
+              </a:endParaRPr>
+            </a:p>
+            <a:p>
+              <a:pPr algn="ctr">
+                <a:spcAft>
+                  <a:spcPts val="0"/>
+                </a:spcAft>
+              </a:pPr>
+              <a:r>
+                <a:rPr lang="ja-JP" sz="700" b="1">
+                  <a:effectLst/>
+                  <a:latin typeface="ＭＳ Ｐゴシック"/>
+                  <a:ea typeface="ＭＳ 明朝"/>
+                  <a:cs typeface="Times New Roman"/>
+                </a:rPr>
+                <a:t>（</a:t>
+              </a:r>
+              <a:r>
+                <a:rPr lang="en-US" sz="700" b="1">
+                  <a:effectLst/>
+                  <a:latin typeface="ＭＳ Ｐゴシック"/>
+                  <a:ea typeface="ＭＳ 明朝"/>
+                  <a:cs typeface="Times New Roman"/>
+                </a:rPr>
+                <a:t>HASH</a:t>
+              </a:r>
+              <a:r>
+                <a:rPr lang="ja-JP" sz="700" b="1">
+                  <a:effectLst/>
+                  <a:latin typeface="ＭＳ Ｐゴシック"/>
+                  <a:ea typeface="ＭＳ 明朝"/>
+                  <a:cs typeface="Times New Roman"/>
+                </a:rPr>
+                <a:t>・時刻）</a:t>
+              </a:r>
+              <a:endParaRPr lang="ja-JP" sz="1200">
+                <a:effectLst/>
+                <a:latin typeface="ＭＳ Ｐゴシック"/>
+                <a:cs typeface="ＭＳ Ｐゴシック"/>
+              </a:endParaRPr>
+            </a:p>
+          </p:txBody>
+        </p:sp>
+        <p:pic>
+          <p:nvPicPr>
+            <p:cNvPr id="24" name="図 23"/>
+            <p:cNvPicPr>
+              <a:picLocks noChangeAspect="1"/>
+            </p:cNvPicPr>
+            <p:nvPr/>
+          </p:nvPicPr>
+          <p:blipFill>
+            <a:blip r:embed="rId9"/>
+            <a:stretch>
+              <a:fillRect/>
+            </a:stretch>
+          </p:blipFill>
+          <p:spPr>
+            <a:xfrm>
+              <a:off x="2569761" y="1788940"/>
+              <a:ext cx="543571" cy="796467"/>
+            </a:xfrm>
+            <a:prstGeom prst="rect">
+              <a:avLst/>
+            </a:prstGeom>
+          </p:spPr>
+        </p:pic>
+        <p:cxnSp>
+          <p:nvCxnSpPr>
+            <p:cNvPr id="25" name="直線矢印コネクタ 24"/>
+            <p:cNvCxnSpPr/>
+            <p:nvPr/>
+          </p:nvCxnSpPr>
+          <p:spPr>
+            <a:xfrm flipH="1">
+              <a:off x="3330789" y="2129050"/>
+              <a:ext cx="1008016" cy="260467"/>
+            </a:xfrm>
+            <a:prstGeom prst="straightConnector1">
+              <a:avLst/>
+            </a:prstGeom>
+            <a:noFill/>
+            <a:ln w="31750" cap="flat" cmpd="sng" algn="ctr">
+              <a:solidFill>
+                <a:sysClr val="windowText" lastClr="000000">
+                  <a:shade val="95000"/>
+                  <a:satMod val="105000"/>
+                </a:sysClr>
+              </a:solidFill>
+              <a:prstDash val="solid"/>
+              <a:tailEnd type="stealth"/>
+            </a:ln>
+            <a:effectLst/>
+          </p:spPr>
+        </p:cxnSp>
+        <p:pic>
+          <p:nvPicPr>
+            <p:cNvPr id="26" name="図 25"/>
+            <p:cNvPicPr/>
+            <p:nvPr/>
+          </p:nvPicPr>
+          <p:blipFill>
+            <a:blip r:embed="rId8"/>
+            <a:stretch>
+              <a:fillRect/>
+            </a:stretch>
+          </p:blipFill>
+          <p:spPr>
+            <a:xfrm>
+              <a:off x="329858" y="2128921"/>
+              <a:ext cx="742315" cy="747395"/>
+            </a:xfrm>
+            <a:prstGeom prst="rect">
+              <a:avLst/>
+            </a:prstGeom>
+          </p:spPr>
+        </p:pic>
+        <p:sp>
+          <p:nvSpPr>
+            <p:cNvPr id="27" name="テキスト ボックス 3"/>
+            <p:cNvSpPr txBox="1"/>
+            <p:nvPr/>
+          </p:nvSpPr>
+          <p:spPr>
+            <a:xfrm>
+              <a:off x="210680" y="2746569"/>
+              <a:ext cx="1984375" cy="495300"/>
+            </a:xfrm>
+            <a:prstGeom prst="rect">
+              <a:avLst/>
+            </a:prstGeom>
+            <a:noFill/>
+            <a:ln w="6350">
+              <a:noFill/>
+            </a:ln>
+            <a:effectLst/>
+          </p:spPr>
+          <p:txBody>
+            <a:bodyPr rot="0" spcFirstLastPara="0" vert="horz" wrap="none" lIns="91440" tIns="45720" rIns="91440" bIns="45720" numCol="1" spcCol="0" rtlCol="0" fromWordArt="0" anchor="ctr" anchorCtr="0" forceAA="0" compatLnSpc="1">
+              <a:prstTxWarp prst="textNoShape">
+                <a:avLst/>
+              </a:prstTxWarp>
+              <a:noAutofit/>
+            </a:bodyPr>
+            <a:lstStyle/>
+            <a:p>
+              <a:pPr>
+                <a:spcAft>
+                  <a:spcPts val="0"/>
+                </a:spcAft>
+              </a:pPr>
+              <a:r>
+                <a:rPr lang="ja-JP" sz="800" b="1">
+                  <a:effectLst/>
+                  <a:latin typeface="ＭＳ Ｐゴシック"/>
+                  <a:ea typeface="ＭＳ 明朝"/>
+                  <a:cs typeface="Times New Roman"/>
+                </a:rPr>
+                <a:t>コミット情報</a:t>
+              </a:r>
+              <a:r>
+                <a:rPr lang="en-US" sz="800" b="1">
+                  <a:effectLst/>
+                  <a:latin typeface="ＭＳ Ｐゴシック"/>
+                  <a:ea typeface="ＭＳ 明朝"/>
+                  <a:cs typeface="Times New Roman"/>
+                </a:rPr>
+                <a:t>CSV</a:t>
+              </a:r>
+              <a:r>
+                <a:rPr lang="ja-JP" sz="800" b="1">
+                  <a:effectLst/>
+                  <a:latin typeface="ＭＳ Ｐゴシック"/>
+                  <a:ea typeface="ＭＳ 明朝"/>
+                  <a:cs typeface="Times New Roman"/>
+                </a:rPr>
+                <a:t>χ</a:t>
+              </a:r>
+              <a:endParaRPr lang="ja-JP" sz="1200">
+                <a:effectLst/>
+                <a:latin typeface="ＭＳ Ｐゴシック"/>
+                <a:cs typeface="ＭＳ Ｐゴシック"/>
+              </a:endParaRPr>
+            </a:p>
+            <a:p>
+              <a:pPr>
+                <a:spcAft>
+                  <a:spcPts val="0"/>
+                </a:spcAft>
+              </a:pPr>
+              <a:r>
+                <a:rPr lang="ja-JP" sz="700" b="1">
+                  <a:effectLst/>
+                  <a:latin typeface="ＭＳ Ｐゴシック"/>
+                  <a:ea typeface="ＭＳ 明朝"/>
+                  <a:cs typeface="Times New Roman"/>
+                </a:rPr>
+                <a:t>（</a:t>
+              </a:r>
+              <a:r>
+                <a:rPr lang="en-US" sz="700" b="1">
+                  <a:effectLst/>
+                  <a:latin typeface="ＭＳ Ｐゴシック"/>
+                  <a:ea typeface="ＭＳ 明朝"/>
+                  <a:cs typeface="Times New Roman"/>
+                </a:rPr>
+                <a:t>HASH</a:t>
+              </a:r>
+              <a:r>
+                <a:rPr lang="ja-JP" sz="700" b="1">
+                  <a:effectLst/>
+                  <a:latin typeface="ＭＳ Ｐゴシック"/>
+                  <a:ea typeface="ＭＳ 明朝"/>
+                  <a:cs typeface="Times New Roman"/>
+                </a:rPr>
+                <a:t>・時刻・メイン</a:t>
+              </a:r>
+              <a:r>
+                <a:rPr lang="en-US" sz="700" b="1">
+                  <a:effectLst/>
+                  <a:latin typeface="ＭＳ Ｐゴシック"/>
+                  <a:ea typeface="ＭＳ 明朝"/>
+                  <a:cs typeface="Times New Roman"/>
+                </a:rPr>
+                <a:t>/</a:t>
+              </a:r>
+              <a:r>
+                <a:rPr lang="ja-JP" sz="700" b="1">
+                  <a:effectLst/>
+                  <a:latin typeface="ＭＳ Ｐゴシック"/>
+                  <a:ea typeface="ＭＳ 明朝"/>
+                  <a:cs typeface="Times New Roman"/>
+                </a:rPr>
+                <a:t>テストコード）</a:t>
+              </a:r>
+              <a:endParaRPr lang="ja-JP" sz="1200">
+                <a:effectLst/>
+                <a:latin typeface="ＭＳ Ｐゴシック"/>
+                <a:cs typeface="ＭＳ Ｐゴシック"/>
+              </a:endParaRPr>
+            </a:p>
+          </p:txBody>
+        </p:sp>
+        <p:cxnSp>
+          <p:nvCxnSpPr>
+            <p:cNvPr id="28" name="直線矢印コネクタ 27"/>
+            <p:cNvCxnSpPr/>
+            <p:nvPr/>
+          </p:nvCxnSpPr>
+          <p:spPr>
+            <a:xfrm flipH="1">
+              <a:off x="1426617" y="2589906"/>
+              <a:ext cx="1007745" cy="260350"/>
+            </a:xfrm>
+            <a:prstGeom prst="straightConnector1">
+              <a:avLst/>
+            </a:prstGeom>
+            <a:noFill/>
+            <a:ln w="31750" cap="flat" cmpd="sng" algn="ctr">
+              <a:solidFill>
+                <a:sysClr val="windowText" lastClr="000000">
+                  <a:shade val="95000"/>
+                  <a:satMod val="105000"/>
+                </a:sysClr>
+              </a:solidFill>
+              <a:prstDash val="solid"/>
+              <a:tailEnd type="stealth"/>
+            </a:ln>
+            <a:effectLst/>
+          </p:spPr>
+        </p:cxnSp>
+        <p:pic>
+          <p:nvPicPr>
+            <p:cNvPr id="29" name="図 28"/>
+            <p:cNvPicPr>
+              <a:picLocks noChangeAspect="1"/>
+            </p:cNvPicPr>
+            <p:nvPr/>
+          </p:nvPicPr>
+          <p:blipFill>
+            <a:blip r:embed="rId10"/>
+            <a:stretch>
+              <a:fillRect/>
+            </a:stretch>
+          </p:blipFill>
+          <p:spPr>
+            <a:xfrm>
+              <a:off x="2434351" y="3027251"/>
+              <a:ext cx="1264086" cy="1154687"/>
+            </a:xfrm>
+            <a:prstGeom prst="rect">
+              <a:avLst/>
+            </a:prstGeom>
+          </p:spPr>
+        </p:pic>
+        <p:cxnSp>
+          <p:nvCxnSpPr>
+            <p:cNvPr id="30" name="直線矢印コネクタ 29"/>
+            <p:cNvCxnSpPr/>
+            <p:nvPr/>
+          </p:nvCxnSpPr>
+          <p:spPr>
+            <a:xfrm>
+              <a:off x="1403210" y="3275912"/>
+              <a:ext cx="1007110" cy="259715"/>
+            </a:xfrm>
+            <a:prstGeom prst="straightConnector1">
+              <a:avLst/>
+            </a:prstGeom>
+            <a:noFill/>
+            <a:ln w="31750" cap="flat" cmpd="sng" algn="ctr">
+              <a:solidFill>
+                <a:sysClr val="windowText" lastClr="000000">
+                  <a:shade val="95000"/>
+                  <a:satMod val="105000"/>
+                </a:sysClr>
+              </a:solidFill>
+              <a:prstDash val="solid"/>
+              <a:tailEnd type="stealth"/>
+            </a:ln>
+            <a:effectLst/>
+          </p:spPr>
+        </p:cxnSp>
+        <p:sp>
+          <p:nvSpPr>
+            <p:cNvPr id="31" name="テキスト ボックス 3"/>
+            <p:cNvSpPr txBox="1"/>
+            <p:nvPr/>
+          </p:nvSpPr>
+          <p:spPr>
+            <a:xfrm>
+              <a:off x="2569247" y="4104993"/>
+              <a:ext cx="1090295" cy="320040"/>
+            </a:xfrm>
+            <a:prstGeom prst="rect">
+              <a:avLst/>
+            </a:prstGeom>
+            <a:noFill/>
+            <a:ln w="6350">
+              <a:noFill/>
+            </a:ln>
+            <a:effectLst/>
+          </p:spPr>
+          <p:txBody>
+            <a:bodyPr rot="0" spcFirstLastPara="0" vert="horz" wrap="none" lIns="91440" tIns="45720" rIns="91440" bIns="45720" numCol="1" spcCol="0" rtlCol="0" fromWordArt="0" anchor="t" anchorCtr="0" forceAA="0" compatLnSpc="1">
+              <a:prstTxWarp prst="textNoShape">
+                <a:avLst/>
+              </a:prstTxWarp>
+              <a:noAutofit/>
+            </a:bodyPr>
+            <a:lstStyle/>
+            <a:p>
+              <a:pPr algn="just">
+                <a:spcAft>
+                  <a:spcPts val="0"/>
+                </a:spcAft>
+              </a:pPr>
+              <a:r>
+                <a:rPr lang="ja-JP" sz="800" b="1" kern="100">
+                  <a:effectLst/>
+                  <a:latin typeface="Century"/>
+                  <a:ea typeface="ＭＳ 明朝"/>
+                  <a:cs typeface="Times New Roman"/>
+                </a:rPr>
+                <a:t>グラフ作成ツール</a:t>
+              </a:r>
+              <a:endParaRPr lang="ja-JP" sz="1050" kern="100">
+                <a:effectLst/>
+                <a:latin typeface="Century"/>
+                <a:ea typeface="ＭＳ 明朝"/>
+                <a:cs typeface="Times New Roman"/>
+              </a:endParaRPr>
+            </a:p>
+          </p:txBody>
+        </p:sp>
+        <p:sp>
+          <p:nvSpPr>
+            <p:cNvPr id="32" name="右矢印 31"/>
+            <p:cNvSpPr/>
+            <p:nvPr/>
+          </p:nvSpPr>
+          <p:spPr>
+            <a:xfrm>
+              <a:off x="3855882" y="3407072"/>
+              <a:ext cx="690009" cy="586596"/>
+            </a:xfrm>
+            <a:prstGeom prst="rightArrow">
+              <a:avLst/>
+            </a:prstGeom>
+            <a:solidFill>
+              <a:sysClr val="window" lastClr="FFFFFF"/>
+            </a:solidFill>
+            <a:ln w="25400" cap="flat" cmpd="sng" algn="ctr">
+              <a:solidFill>
+                <a:sysClr val="windowText" lastClr="000000"/>
+              </a:solidFill>
+              <a:prstDash val="solid"/>
+            </a:ln>
+            <a:effectLst/>
+          </p:spPr>
+          <p:txBody>
+            <a:bodyPr rot="0" spcFirstLastPara="0" vert="horz" wrap="square" lIns="91440" tIns="45720" rIns="91440" bIns="45720" numCol="1" spcCol="0" rtlCol="0" fromWordArt="0" anchor="ctr" anchorCtr="0" forceAA="0" compatLnSpc="1">
+              <a:prstTxWarp prst="textNoShape">
+                <a:avLst/>
+              </a:prstTxWarp>
+              <a:noAutofit/>
+            </a:bodyPr>
+            <a:lstStyle/>
+            <a:p>
+              <a:pPr algn="ctr">
+                <a:spcAft>
+                  <a:spcPts val="0"/>
+                </a:spcAft>
+              </a:pPr>
+              <a:r>
+                <a:rPr lang="ja-JP" sz="900" b="1" kern="100" dirty="0">
+                  <a:effectLst/>
+                  <a:latin typeface="Century"/>
+                  <a:ea typeface="ＭＳ 明朝"/>
+                  <a:cs typeface="Times New Roman"/>
+                </a:rPr>
+                <a:t>結果</a:t>
+              </a:r>
+              <a:endParaRPr lang="ja-JP" sz="900" kern="100" dirty="0">
+                <a:effectLst/>
+                <a:latin typeface="Century"/>
+                <a:ea typeface="ＭＳ 明朝"/>
+                <a:cs typeface="Times New Roman"/>
+              </a:endParaRPr>
+            </a:p>
+          </p:txBody>
+        </p:sp>
+        <p:pic>
+          <p:nvPicPr>
+            <p:cNvPr id="33" name="図 32"/>
+            <p:cNvPicPr>
+              <a:picLocks noChangeAspect="1"/>
+            </p:cNvPicPr>
+            <p:nvPr/>
+          </p:nvPicPr>
+          <p:blipFill>
+            <a:blip r:embed="rId11"/>
+            <a:stretch>
+              <a:fillRect/>
+            </a:stretch>
+          </p:blipFill>
+          <p:spPr>
+            <a:xfrm>
+              <a:off x="4612134" y="3439965"/>
+              <a:ext cx="1066009" cy="665735"/>
+            </a:xfrm>
+            <a:prstGeom prst="rect">
+              <a:avLst/>
+            </a:prstGeom>
+            <a:ln w="12700">
+              <a:solidFill>
+                <a:sysClr val="windowText" lastClr="000000"/>
+              </a:solidFill>
+            </a:ln>
+          </p:spPr>
+        </p:pic>
+        <p:sp>
+          <p:nvSpPr>
+            <p:cNvPr id="40" name="テキスト ボックス 3"/>
+            <p:cNvSpPr txBox="1"/>
+            <p:nvPr/>
+          </p:nvSpPr>
+          <p:spPr>
+            <a:xfrm>
+              <a:off x="2375081" y="2505439"/>
+              <a:ext cx="1315720" cy="324665"/>
+            </a:xfrm>
+            <a:prstGeom prst="rect">
+              <a:avLst/>
+            </a:prstGeom>
+            <a:noFill/>
+            <a:ln w="6350">
+              <a:noFill/>
+            </a:ln>
+            <a:effectLst/>
+          </p:spPr>
+          <p:txBody>
+            <a:bodyPr rot="0" spcFirstLastPara="0" vert="horz" wrap="none" lIns="91440" tIns="45720" rIns="91440" bIns="45720" numCol="1" spcCol="0" rtlCol="0" fromWordArt="0" anchor="t" anchorCtr="0" forceAA="0" compatLnSpc="1">
+              <a:prstTxWarp prst="textNoShape">
+                <a:avLst/>
+              </a:prstTxWarp>
+              <a:noAutofit/>
+            </a:bodyPr>
+            <a:lstStyle/>
+            <a:p>
+              <a:pPr algn="ctr">
+                <a:spcAft>
+                  <a:spcPts val="0"/>
+                </a:spcAft>
+              </a:pPr>
+              <a:r>
+                <a:rPr lang="ja-JP" sz="800" b="1">
+                  <a:effectLst/>
+                  <a:latin typeface="ＭＳ Ｐゴシック"/>
+                  <a:ea typeface="ＭＳ 明朝"/>
+                  <a:cs typeface="Times New Roman"/>
+                </a:rPr>
+                <a:t>コードカウントツール</a:t>
+              </a:r>
+              <a:endParaRPr lang="ja-JP" sz="1200">
+                <a:effectLst/>
+                <a:latin typeface="ＭＳ Ｐゴシック"/>
+                <a:cs typeface="ＭＳ Ｐゴシック"/>
+              </a:endParaRPr>
+            </a:p>
+          </p:txBody>
+        </p:sp>
+        <p:sp>
+          <p:nvSpPr>
+            <p:cNvPr id="41" name="テキスト ボックス 3"/>
+            <p:cNvSpPr txBox="1"/>
+            <p:nvPr/>
+          </p:nvSpPr>
+          <p:spPr>
+            <a:xfrm>
+              <a:off x="174919" y="4105274"/>
+              <a:ext cx="1324610" cy="406104"/>
+            </a:xfrm>
+            <a:prstGeom prst="rect">
+              <a:avLst/>
+            </a:prstGeom>
+            <a:noFill/>
+            <a:ln w="6350">
+              <a:noFill/>
+            </a:ln>
+            <a:effectLst/>
+          </p:spPr>
+          <p:txBody>
+            <a:bodyPr rot="0" spcFirstLastPara="0" vert="horz" wrap="none" lIns="91440" tIns="45720" rIns="91440" bIns="45720" numCol="1" spcCol="0" rtlCol="0" fromWordArt="0" anchor="ctr" anchorCtr="0" forceAA="0" compatLnSpc="1">
+              <a:prstTxWarp prst="textNoShape">
+                <a:avLst/>
+              </a:prstTxWarp>
+              <a:noAutofit/>
+            </a:bodyPr>
+            <a:lstStyle/>
+            <a:p>
+              <a:pPr>
+                <a:spcAft>
+                  <a:spcPts val="0"/>
+                </a:spcAft>
+              </a:pPr>
+              <a:r>
+                <a:rPr lang="ja-JP" sz="1400" b="1">
+                  <a:effectLst/>
+                  <a:latin typeface="ＭＳ Ｐゴシック"/>
+                  <a:ea typeface="HGS創英角ﾎﾟｯﾌﾟ体"/>
+                  <a:cs typeface="Times New Roman"/>
+                </a:rPr>
+                <a:t>ローカル環境</a:t>
+              </a:r>
+              <a:endParaRPr lang="ja-JP" sz="1200">
+                <a:effectLst/>
+                <a:latin typeface="ＭＳ Ｐゴシック"/>
+                <a:cs typeface="ＭＳ Ｐゴシック"/>
+              </a:endParaRPr>
+            </a:p>
+          </p:txBody>
+        </p:sp>
+      </p:grpSp>
     </p:spTree>
     <p:extLst>
       <p:ext uri="{BB962C8B-B14F-4D97-AF65-F5344CB8AC3E}">
-        <p14:creationId xmlns:p14="http://schemas.microsoft.com/office/powerpoint/2010/main" val="3641264183"/>
+        <p14:creationId xmlns:p14="http://schemas.microsoft.com/office/powerpoint/2010/main" val="2676120254"/>
       </p:ext>
     </p:extLst>
   </p:cSld>
@@ -7557,7 +10942,7 @@
 </p:sld>
 </file>
 
-<file path=ppt/slides/slide7.xml><?xml version="1.0" encoding="utf-8"?>
+<file path=ppt/slides/slide8.xml><?xml version="1.0" encoding="utf-8"?>
 <p:sld xmlns:a="http://schemas.openxmlformats.org/drawingml/2006/main" xmlns:r="http://schemas.openxmlformats.org/officeDocument/2006/relationships" xmlns:p="http://schemas.openxmlformats.org/presentationml/2006/main">
   <p:cSld>
     <p:spTree>
@@ -7637,7 +11022,7 @@
           <a:p>
             <a:fld id="{515FC477-0A05-4F3E-8EE9-E015C9089D56}" type="slidenum">
               <a:rPr lang="en-US" altLang="ja-JP" smtClean="0"/>
-              <a:t>7</a:t>
+              <a:t>8</a:t>
             </a:fld>
             <a:endParaRPr kumimoji="0" lang="ja-JP" altLang="en-US" dirty="0"/>
           </a:p>
@@ -7682,28 +11067,8 @@
           </a:lstStyle>
           <a:p>
             <a:r>
-              <a:rPr kumimoji="1" lang="ja-JP" altLang="en-US" sz="3200" b="1" dirty="0"/>
-              <a:t>先行</a:t>
-            </a:r>
-            <a:r>
               <a:rPr kumimoji="1" lang="ja-JP" altLang="en-US" sz="3200" b="1" dirty="0" smtClean="0"/>
-              <a:t>研究</a:t>
-            </a:r>
-            <a:r>
-              <a:rPr kumimoji="1" lang="en-US" altLang="ja-JP" sz="3200" b="1" dirty="0" smtClean="0"/>
-              <a:t>-</a:t>
-            </a:r>
-            <a:r>
-              <a:rPr kumimoji="1" lang="en-US" altLang="ja-JP" sz="2400" dirty="0" err="1" smtClean="0"/>
-              <a:t>Git</a:t>
-            </a:r>
-            <a:r>
-              <a:rPr kumimoji="1" lang="ja-JP" altLang="en-US" sz="2400" dirty="0" smtClean="0"/>
-              <a:t>・</a:t>
-            </a:r>
-            <a:r>
-              <a:rPr kumimoji="1" lang="en-US" altLang="ja-JP" sz="2400" dirty="0" smtClean="0"/>
-              <a:t>GitHub</a:t>
+              <a:t>結論</a:t>
             </a:r>
             <a:endParaRPr kumimoji="1" lang="ja-JP" altLang="en-US" sz="2400" dirty="0"/>
           </a:p>
@@ -7948,400 +11313,170 @@
           </a:fontRef>
         </p:style>
       </p:cxnSp>
-    </p:spTree>
-    <p:extLst>
-      <p:ext uri="{BB962C8B-B14F-4D97-AF65-F5344CB8AC3E}">
-        <p14:creationId xmlns:p14="http://schemas.microsoft.com/office/powerpoint/2010/main" val="2835596219"/>
-      </p:ext>
-    </p:extLst>
-  </p:cSld>
-  <p:clrMapOvr>
-    <a:masterClrMapping/>
-  </p:clrMapOvr>
-  <p:transition spd="slow">
-    <p:fade/>
-  </p:transition>
-  <p:timing>
-    <p:tnLst>
-      <p:par>
-        <p:cTn id="1" dur="indefinite" restart="never" nodeType="tmRoot"/>
-      </p:par>
-    </p:tnLst>
-  </p:timing>
-</p:sld>
-</file>
-
-<file path=ppt/slides/slide8.xml><?xml version="1.0" encoding="utf-8"?>
-<p:sld xmlns:a="http://schemas.openxmlformats.org/drawingml/2006/main" xmlns:r="http://schemas.openxmlformats.org/officeDocument/2006/relationships" xmlns:p="http://schemas.openxmlformats.org/presentationml/2006/main">
-  <p:cSld>
-    <p:spTree>
-      <p:nvGrpSpPr>
-        <p:cNvPr id="1" name=""/>
-        <p:cNvGrpSpPr/>
-        <p:nvPr/>
-      </p:nvGrpSpPr>
-      <p:grpSpPr>
-        <a:xfrm>
-          <a:off x="0" y="0"/>
-          <a:ext cx="0" cy="0"/>
-          <a:chOff x="0" y="0"/>
-          <a:chExt cx="0" cy="0"/>
-        </a:xfrm>
-      </p:grpSpPr>
-      <p:sp>
-        <p:nvSpPr>
-          <p:cNvPr id="4" name="日付プレースホルダー 3"/>
-          <p:cNvSpPr>
-            <a:spLocks noGrp="1"/>
-          </p:cNvSpPr>
-          <p:nvPr>
-            <p:ph type="dt" sz="half" idx="10"/>
-          </p:nvPr>
-        </p:nvSpPr>
-        <p:spPr/>
-        <p:txBody>
-          <a:bodyPr/>
-          <a:lstStyle/>
-          <a:p>
-            <a:r>
-              <a:rPr lang="en-US" altLang="ja-JP" smtClean="0"/>
-              <a:t>2014/02/05</a:t>
-            </a:r>
-            <a:endParaRPr kumimoji="0" lang="ja-JP" dirty="0"/>
-          </a:p>
-        </p:txBody>
-      </p:sp>
-      <p:sp>
-        <p:nvSpPr>
-          <p:cNvPr id="5" name="フッター プレースホルダー 4"/>
-          <p:cNvSpPr>
-            <a:spLocks noGrp="1"/>
-          </p:cNvSpPr>
-          <p:nvPr>
-            <p:ph type="ftr" sz="quarter" idx="11"/>
-          </p:nvPr>
-        </p:nvSpPr>
-        <p:spPr/>
-        <p:txBody>
-          <a:bodyPr/>
-          <a:lstStyle/>
-          <a:p>
-            <a:r>
-              <a:rPr kumimoji="0" lang="en-US" altLang="ja-JP" smtClean="0"/>
-              <a:t>The Survey of Software Testing in Open Source Software Development</a:t>
-            </a:r>
-            <a:endParaRPr kumimoji="0" lang="ja-JP" dirty="0"/>
-          </a:p>
-        </p:txBody>
-      </p:sp>
-      <p:sp>
-        <p:nvSpPr>
-          <p:cNvPr id="6" name="スライド番号プレースホルダー 5"/>
-          <p:cNvSpPr>
-            <a:spLocks noGrp="1"/>
-          </p:cNvSpPr>
-          <p:nvPr>
-            <p:ph type="sldNum" sz="quarter" idx="12"/>
-          </p:nvPr>
-        </p:nvSpPr>
-        <p:spPr/>
-        <p:txBody>
-          <a:bodyPr/>
-          <a:lstStyle/>
-          <a:p>
-            <a:fld id="{515FC477-0A05-4F3E-8EE9-E015C9089D56}" type="slidenum">
-              <a:rPr lang="en-US" altLang="ja-JP" smtClean="0"/>
-              <a:t>8</a:t>
-            </a:fld>
-            <a:endParaRPr kumimoji="0" lang="ja-JP" altLang="en-US" dirty="0"/>
-          </a:p>
-        </p:txBody>
-      </p:sp>
-      <p:sp>
-        <p:nvSpPr>
-          <p:cNvPr id="7" name="Title 1"/>
-          <p:cNvSpPr txBox="1">
-            <a:spLocks/>
-          </p:cNvSpPr>
+      <p:pic>
+        <p:nvPicPr>
+          <p:cNvPr id="1026" name="Picture 2" descr="C:\Users\shimizu\Documents\GitHub\yabukilab\卒業論文\2012\清水竜吾\別途資料\コミットごとの行数\IMG\グループ分け\1\paperclip-lines.png"/>
+          <p:cNvPicPr>
+            <a:picLocks noChangeAspect="1" noChangeArrowheads="1"/>
+          </p:cNvPicPr>
           <p:nvPr/>
-        </p:nvSpPr>
-        <p:spPr>
+        </p:nvPicPr>
+        <p:blipFill>
+          <a:blip r:embed="rId2" cstate="email">
+            <a:extLst>
+              <a:ext uri="{28A0092B-C50C-407E-A947-70E740481C1C}">
+                <a14:useLocalDpi xmlns:a14="http://schemas.microsoft.com/office/drawing/2010/main" val="0"/>
+              </a:ext>
+            </a:extLst>
+          </a:blip>
+          <a:srcRect/>
+          <a:stretch>
+            <a:fillRect/>
+          </a:stretch>
+        </p:blipFill>
+        <p:spPr bwMode="auto">
           <a:xfrm>
-            <a:off x="457200" y="914400"/>
-            <a:ext cx="4648200" cy="914400"/>
+            <a:off x="1112449" y="1750696"/>
+            <a:ext cx="3520440" cy="2200275"/>
           </a:xfrm>
           <a:prstGeom prst="rect">
             <a:avLst/>
           </a:prstGeom>
+          <a:noFill/>
+          <a:extLst>
+            <a:ext uri="{909E8E84-426E-40DD-AFC4-6F175D3DCCD1}">
+              <a14:hiddenFill xmlns:a14="http://schemas.microsoft.com/office/drawing/2010/main">
+                <a:solidFill>
+                  <a:srgbClr val="FFFFFF"/>
+                </a:solidFill>
+              </a14:hiddenFill>
+            </a:ext>
+          </a:extLst>
         </p:spPr>
-        <p:txBody>
-          <a:bodyPr vert="horz" lIns="91440" tIns="45720" rIns="91440" bIns="45720" rtlCol="0" anchor="t">
-            <a:normAutofit/>
-          </a:bodyPr>
-          <a:lstStyle>
-            <a:lvl1pPr algn="l" defTabSz="914400" rtl="0" eaLnBrk="1" latinLnBrk="0" hangingPunct="1">
-              <a:spcBef>
-                <a:spcPct val="0"/>
-              </a:spcBef>
-              <a:buNone/>
-              <a:defRPr kumimoji="0" lang="ja-JP" sz="2800" kern="1200">
-                <a:solidFill>
-                  <a:schemeClr val="tx1"/>
-                </a:solidFill>
-                <a:latin typeface="Georgia" pitchFamily="18" charset="0"/>
-                <a:ea typeface="+mj-ea"/>
-                <a:cs typeface="+mj-cs"/>
-              </a:defRPr>
-            </a:lvl1pPr>
-          </a:lstStyle>
-          <a:p>
-            <a:r>
-              <a:rPr kumimoji="1" lang="ja-JP" altLang="en-US" sz="3200" b="1" dirty="0" smtClean="0"/>
-              <a:t>結論</a:t>
-            </a:r>
-            <a:endParaRPr kumimoji="1" lang="ja-JP" altLang="en-US" sz="2400" dirty="0"/>
-          </a:p>
-        </p:txBody>
-      </p:sp>
-      <p:sp>
-        <p:nvSpPr>
-          <p:cNvPr id="8" name="Content Placeholder 4"/>
-          <p:cNvSpPr txBox="1">
-            <a:spLocks/>
-          </p:cNvSpPr>
+      </p:pic>
+      <p:pic>
+        <p:nvPicPr>
+          <p:cNvPr id="1027" name="Picture 3" descr="C:\Users\shimizu\Documents\GitHub\yabukilab\卒業論文\2012\清水竜吾\別途資料\コミットごとの行数\IMG\グループ分け\2\bower-lines.png"/>
+          <p:cNvPicPr>
+            <a:picLocks noChangeAspect="1" noChangeArrowheads="1"/>
+          </p:cNvPicPr>
           <p:nvPr/>
-        </p:nvSpPr>
-        <p:spPr>
+        </p:nvPicPr>
+        <p:blipFill>
+          <a:blip r:embed="rId3" cstate="email">
+            <a:extLst>
+              <a:ext uri="{28A0092B-C50C-407E-A947-70E740481C1C}">
+                <a14:useLocalDpi xmlns:a14="http://schemas.microsoft.com/office/drawing/2010/main" val="0"/>
+              </a:ext>
+            </a:extLst>
+          </a:blip>
+          <a:srcRect/>
+          <a:stretch>
+            <a:fillRect/>
+          </a:stretch>
+        </p:blipFill>
+        <p:spPr bwMode="auto">
           <a:xfrm>
-            <a:off x="971600" y="1772816"/>
-            <a:ext cx="7560840" cy="4353347"/>
+            <a:off x="4363928" y="1749214"/>
+            <a:ext cx="3520440" cy="2200275"/>
           </a:xfrm>
           <a:prstGeom prst="rect">
             <a:avLst/>
           </a:prstGeom>
+          <a:noFill/>
+          <a:extLst>
+            <a:ext uri="{909E8E84-426E-40DD-AFC4-6F175D3DCCD1}">
+              <a14:hiddenFill xmlns:a14="http://schemas.microsoft.com/office/drawing/2010/main">
+                <a:solidFill>
+                  <a:srgbClr val="FFFFFF"/>
+                </a:solidFill>
+              </a14:hiddenFill>
+            </a:ext>
+          </a:extLst>
         </p:spPr>
-        <p:txBody>
-          <a:bodyPr vert="horz" lIns="91440" tIns="45720" rIns="91440" bIns="45720" rtlCol="0">
-            <a:normAutofit/>
-          </a:bodyPr>
-          <a:lstStyle>
-            <a:lvl1pPr marL="342900" indent="-342900" algn="l" defTabSz="914400" rtl="0" eaLnBrk="1" latinLnBrk="0" hangingPunct="1">
-              <a:lnSpc>
-                <a:spcPct val="150000"/>
-              </a:lnSpc>
-              <a:spcBef>
-                <a:spcPts val="0"/>
-              </a:spcBef>
-              <a:buSzPct val="130000"/>
-              <a:buFont typeface="Arial" pitchFamily="34" charset="0"/>
-              <a:buChar char="•"/>
-              <a:defRPr kumimoji="0" lang="ja-JP" sz="2000" kern="1200">
-                <a:solidFill>
-                  <a:schemeClr val="tx1"/>
-                </a:solidFill>
-                <a:latin typeface="Georgia" pitchFamily="18" charset="0"/>
-                <a:ea typeface="+mn-ea"/>
-                <a:cs typeface="+mn-cs"/>
-              </a:defRPr>
-            </a:lvl1pPr>
-            <a:lvl2pPr marL="571500" indent="-228600" algn="l" defTabSz="914400" rtl="0" eaLnBrk="1" latinLnBrk="0" hangingPunct="1">
-              <a:lnSpc>
-                <a:spcPct val="150000"/>
-              </a:lnSpc>
-              <a:spcBef>
-                <a:spcPts val="0"/>
-              </a:spcBef>
-              <a:buSzPct val="60000"/>
-              <a:buFont typeface="Courier New" pitchFamily="49" charset="0"/>
-              <a:buChar char="o"/>
-              <a:defRPr kumimoji="0" lang="ja-JP" sz="1800" kern="1200">
-                <a:solidFill>
-                  <a:schemeClr val="tx1"/>
-                </a:solidFill>
-                <a:latin typeface="Georgia" pitchFamily="18" charset="0"/>
-                <a:ea typeface="+mn-ea"/>
-                <a:cs typeface="+mn-cs"/>
-              </a:defRPr>
-            </a:lvl2pPr>
-            <a:lvl3pPr marL="1143000" indent="-228600" algn="l" defTabSz="914400" rtl="0" eaLnBrk="1" latinLnBrk="0" hangingPunct="1">
-              <a:spcBef>
-                <a:spcPct val="20000"/>
-              </a:spcBef>
-              <a:buFont typeface="Arial" pitchFamily="34" charset="0"/>
-              <a:buChar char="•"/>
-              <a:defRPr kumimoji="0" lang="ja-JP" sz="2000" kern="1200">
-                <a:solidFill>
-                  <a:schemeClr val="tx1"/>
-                </a:solidFill>
-                <a:latin typeface="Georgia" pitchFamily="18" charset="0"/>
-                <a:ea typeface="+mn-ea"/>
-                <a:cs typeface="+mn-cs"/>
-              </a:defRPr>
-            </a:lvl3pPr>
-            <a:lvl4pPr marL="1600200" indent="-228600" algn="l" defTabSz="914400" rtl="0" eaLnBrk="1" latinLnBrk="0" hangingPunct="1">
-              <a:spcBef>
-                <a:spcPct val="20000"/>
-              </a:spcBef>
-              <a:buFont typeface="Arial" pitchFamily="34" charset="0"/>
-              <a:buChar char="–"/>
-              <a:defRPr kumimoji="0" lang="ja-JP" sz="2000" kern="1200">
-                <a:solidFill>
-                  <a:schemeClr val="tx1"/>
-                </a:solidFill>
-                <a:latin typeface="Georgia" pitchFamily="18" charset="0"/>
-                <a:ea typeface="+mn-ea"/>
-                <a:cs typeface="+mn-cs"/>
-              </a:defRPr>
-            </a:lvl4pPr>
-            <a:lvl5pPr marL="2057400" indent="-228600" algn="l" defTabSz="914400" rtl="0" eaLnBrk="1" latinLnBrk="0" hangingPunct="1">
-              <a:spcBef>
-                <a:spcPct val="20000"/>
-              </a:spcBef>
-              <a:buFont typeface="Arial" pitchFamily="34" charset="0"/>
-              <a:buChar char="»"/>
-              <a:defRPr kumimoji="0" lang="ja-JP" sz="2000" kern="1200">
-                <a:solidFill>
-                  <a:schemeClr val="tx1"/>
-                </a:solidFill>
-                <a:latin typeface="Georgia" pitchFamily="18" charset="0"/>
-                <a:ea typeface="+mn-ea"/>
-                <a:cs typeface="+mn-cs"/>
-              </a:defRPr>
-            </a:lvl5pPr>
-            <a:lvl6pPr marL="2514600" indent="-228600" algn="l" defTabSz="914400" rtl="0" eaLnBrk="1" latinLnBrk="0" hangingPunct="1">
-              <a:spcBef>
-                <a:spcPct val="20000"/>
-              </a:spcBef>
-              <a:buFont typeface="Arial" pitchFamily="34" charset="0"/>
-              <a:buChar char="•"/>
-              <a:defRPr kumimoji="1" lang="ja-JP" sz="2000" kern="1200">
-                <a:solidFill>
-                  <a:schemeClr val="tx1"/>
-                </a:solidFill>
-                <a:latin typeface="+mn-lt"/>
-                <a:ea typeface="+mn-ea"/>
-                <a:cs typeface="+mn-cs"/>
-              </a:defRPr>
-            </a:lvl6pPr>
-            <a:lvl7pPr marL="2971800" indent="-228600" algn="l" defTabSz="914400" rtl="0" eaLnBrk="1" latinLnBrk="0" hangingPunct="1">
-              <a:spcBef>
-                <a:spcPct val="20000"/>
-              </a:spcBef>
-              <a:buFont typeface="Arial" pitchFamily="34" charset="0"/>
-              <a:buChar char="•"/>
-              <a:defRPr kumimoji="1" lang="ja-JP" sz="2000" kern="1200">
-                <a:solidFill>
-                  <a:schemeClr val="tx1"/>
-                </a:solidFill>
-                <a:latin typeface="+mn-lt"/>
-                <a:ea typeface="+mn-ea"/>
-                <a:cs typeface="+mn-cs"/>
-              </a:defRPr>
-            </a:lvl7pPr>
-            <a:lvl8pPr marL="3429000" indent="-228600" algn="l" defTabSz="914400" rtl="0" eaLnBrk="1" latinLnBrk="0" hangingPunct="1">
-              <a:spcBef>
-                <a:spcPct val="20000"/>
-              </a:spcBef>
-              <a:buFont typeface="Arial" pitchFamily="34" charset="0"/>
-              <a:buChar char="•"/>
-              <a:defRPr kumimoji="1" lang="ja-JP" sz="2000" kern="1200">
-                <a:solidFill>
-                  <a:schemeClr val="tx1"/>
-                </a:solidFill>
-                <a:latin typeface="+mn-lt"/>
-                <a:ea typeface="+mn-ea"/>
-                <a:cs typeface="+mn-cs"/>
-              </a:defRPr>
-            </a:lvl8pPr>
-            <a:lvl9pPr marL="3886200" indent="-228600" algn="l" defTabSz="914400" rtl="0" eaLnBrk="1" latinLnBrk="0" hangingPunct="1">
-              <a:spcBef>
-                <a:spcPct val="20000"/>
-              </a:spcBef>
-              <a:buFont typeface="Arial" pitchFamily="34" charset="0"/>
-              <a:buChar char="•"/>
-              <a:defRPr kumimoji="1" lang="ja-JP" sz="2000" kern="1200">
-                <a:solidFill>
-                  <a:schemeClr val="tx1"/>
-                </a:solidFill>
-                <a:latin typeface="+mn-lt"/>
-                <a:ea typeface="+mn-ea"/>
-                <a:cs typeface="+mn-cs"/>
-              </a:defRPr>
-            </a:lvl9pPr>
-          </a:lstStyle>
-          <a:p>
-            <a:pPr marL="0" indent="0">
-              <a:buNone/>
-            </a:pPr>
-            <a:endParaRPr lang="ja-JP" altLang="en-US" b="1" dirty="0">
-              <a:latin typeface="+mj-ea"/>
-              <a:ea typeface="+mj-ea"/>
-            </a:endParaRPr>
-          </a:p>
-        </p:txBody>
-      </p:sp>
-      <p:cxnSp>
-        <p:nvCxnSpPr>
-          <p:cNvPr id="10" name="直線コネクタ 9"/>
-          <p:cNvCxnSpPr/>
+      </p:pic>
+      <p:pic>
+        <p:nvPicPr>
+          <p:cNvPr id="1028" name="Picture 4" descr="C:\Users\shimizu\Documents\GitHub\yabukilab\卒業論文\2012\清水竜吾\別途資料\コミットごとの行数\IMG\グループ分け\3\node-lines.png"/>
+          <p:cNvPicPr>
+            <a:picLocks noChangeAspect="1" noChangeArrowheads="1"/>
+          </p:cNvPicPr>
           <p:nvPr/>
-        </p:nvCxnSpPr>
-        <p:spPr>
+        </p:nvPicPr>
+        <p:blipFill>
+          <a:blip r:embed="rId4" cstate="email">
+            <a:extLst>
+              <a:ext uri="{28A0092B-C50C-407E-A947-70E740481C1C}">
+                <a14:useLocalDpi xmlns:a14="http://schemas.microsoft.com/office/drawing/2010/main" val="0"/>
+              </a:ext>
+            </a:extLst>
+          </a:blip>
+          <a:srcRect/>
+          <a:stretch>
+            <a:fillRect/>
+          </a:stretch>
+        </p:blipFill>
+        <p:spPr bwMode="auto">
           <a:xfrm>
-            <a:off x="611560" y="1484784"/>
-            <a:ext cx="7920880" cy="0"/>
+            <a:off x="1130452" y="3965029"/>
+            <a:ext cx="3520440" cy="2200275"/>
           </a:xfrm>
-          <a:prstGeom prst="line">
+          <a:prstGeom prst="rect">
             <a:avLst/>
           </a:prstGeom>
-          <a:ln w="63500">
-            <a:gradFill flip="none" rotWithShape="1">
-              <a:gsLst>
-                <a:gs pos="0">
-                  <a:schemeClr val="tx2"/>
-                </a:gs>
-                <a:gs pos="50000">
-                  <a:schemeClr val="accent1">
-                    <a:tint val="44500"/>
-                    <a:satMod val="160000"/>
-                  </a:schemeClr>
-                </a:gs>
-                <a:gs pos="100000">
-                  <a:schemeClr val="accent1">
-                    <a:tint val="23500"/>
-                    <a:satMod val="160000"/>
-                  </a:schemeClr>
-                </a:gs>
-              </a:gsLst>
-              <a:path path="circle">
-                <a:fillToRect r="100000" b="100000"/>
-              </a:path>
-              <a:tileRect l="-100000" t="-100000"/>
-            </a:gradFill>
-          </a:ln>
-          <a:effectLst>
-            <a:outerShdw blurRad="152400" dist="317500" dir="5400000" sx="90000" sy="-19000" rotWithShape="0">
-              <a:srgbClr val="FF0000">
-                <a:alpha val="15000"/>
-              </a:srgbClr>
-            </a:outerShdw>
-          </a:effectLst>
+          <a:noFill/>
+          <a:extLst>
+            <a:ext uri="{909E8E84-426E-40DD-AFC4-6F175D3DCCD1}">
+              <a14:hiddenFill xmlns:a14="http://schemas.microsoft.com/office/drawing/2010/main">
+                <a:solidFill>
+                  <a:srgbClr val="FFFFFF"/>
+                </a:solidFill>
+              </a14:hiddenFill>
+            </a:ext>
+          </a:extLst>
         </p:spPr>
-        <p:style>
-          <a:lnRef idx="1">
-            <a:schemeClr val="accent1"/>
-          </a:lnRef>
-          <a:fillRef idx="0">
-            <a:schemeClr val="accent1"/>
-          </a:fillRef>
-          <a:effectRef idx="0">
-            <a:schemeClr val="accent1"/>
-          </a:effectRef>
-          <a:fontRef idx="minor">
-            <a:schemeClr val="tx1"/>
-          </a:fontRef>
-        </p:style>
-      </p:cxnSp>
+      </p:pic>
+      <p:pic>
+        <p:nvPicPr>
+          <p:cNvPr id="1029" name="Picture 5" descr="C:\Users\shimizu\Documents\GitHub\yabukilab\卒業論文\2012\清水竜吾\別途資料\コミットごとの行数\IMG\グループ分け\4\jQuery-File-Upload-lines.png"/>
+          <p:cNvPicPr>
+            <a:picLocks noChangeAspect="1" noChangeArrowheads="1"/>
+          </p:cNvPicPr>
+          <p:nvPr/>
+        </p:nvPicPr>
+        <p:blipFill>
+          <a:blip r:embed="rId5" cstate="email">
+            <a:extLst>
+              <a:ext uri="{28A0092B-C50C-407E-A947-70E740481C1C}">
+                <a14:useLocalDpi xmlns:a14="http://schemas.microsoft.com/office/drawing/2010/main" val="0"/>
+              </a:ext>
+            </a:extLst>
+          </a:blip>
+          <a:srcRect/>
+          <a:stretch>
+            <a:fillRect/>
+          </a:stretch>
+        </p:blipFill>
+        <p:spPr bwMode="auto">
+          <a:xfrm>
+            <a:off x="4363928" y="3972456"/>
+            <a:ext cx="3520440" cy="2200275"/>
+          </a:xfrm>
+          <a:prstGeom prst="rect">
+            <a:avLst/>
+          </a:prstGeom>
+          <a:noFill/>
+          <a:extLst>
+            <a:ext uri="{909E8E84-426E-40DD-AFC4-6F175D3DCCD1}">
+              <a14:hiddenFill xmlns:a14="http://schemas.microsoft.com/office/drawing/2010/main">
+                <a:solidFill>
+                  <a:srgbClr val="FFFFFF"/>
+                </a:solidFill>
+              </a14:hiddenFill>
+            </a:ext>
+          </a:extLst>
+        </p:spPr>
+      </p:pic>
     </p:spTree>
     <p:extLst>
       <p:ext uri="{BB962C8B-B14F-4D97-AF65-F5344CB8AC3E}">

--- a/卒業論文/2012/清水竜吾/オープンソース開発における.pptx
+++ b/卒業論文/2012/清水竜吾/オープンソース開発における.pptx
@@ -767,6 +767,10 @@
           <a:bodyPr/>
           <a:lstStyle/>
           <a:p>
+            <a:r>
+              <a:rPr kumimoji="1" lang="ja-JP" altLang="en-US" dirty="0" smtClean="0"/>
+              <a:t>テスト駆動開発について・・・</a:t>
+            </a:r>
             <a:endParaRPr kumimoji="1" lang="ja-JP" altLang="en-US" dirty="0"/>
           </a:p>
         </p:txBody>
@@ -798,6 +802,185 @@
     <p:extLst>
       <p:ext uri="{BB962C8B-B14F-4D97-AF65-F5344CB8AC3E}">
         <p14:creationId xmlns:p14="http://schemas.microsoft.com/office/powerpoint/2010/main" val="593323420"/>
+      </p:ext>
+    </p:extLst>
+  </p:cSld>
+  <p:clrMapOvr>
+    <a:masterClrMapping/>
+  </p:clrMapOvr>
+</p:notes>
+</file>
+
+<file path=ppt/notesSlides/notesSlide3.xml><?xml version="1.0" encoding="utf-8"?>
+<p:notes xmlns:a="http://schemas.openxmlformats.org/drawingml/2006/main" xmlns:r="http://schemas.openxmlformats.org/officeDocument/2006/relationships" xmlns:p="http://schemas.openxmlformats.org/presentationml/2006/main">
+  <p:cSld>
+    <p:spTree>
+      <p:nvGrpSpPr>
+        <p:cNvPr id="1" name=""/>
+        <p:cNvGrpSpPr/>
+        <p:nvPr/>
+      </p:nvGrpSpPr>
+      <p:grpSpPr>
+        <a:xfrm>
+          <a:off x="0" y="0"/>
+          <a:ext cx="0" cy="0"/>
+          <a:chOff x="0" y="0"/>
+          <a:chExt cx="0" cy="0"/>
+        </a:xfrm>
+      </p:grpSpPr>
+      <p:sp>
+        <p:nvSpPr>
+          <p:cNvPr id="2" name="スライド イメージ プレースホルダー 1"/>
+          <p:cNvSpPr>
+            <a:spLocks noGrp="1" noRot="1" noChangeAspect="1"/>
+          </p:cNvSpPr>
+          <p:nvPr>
+            <p:ph type="sldImg"/>
+          </p:nvPr>
+        </p:nvSpPr>
+        <p:spPr/>
+      </p:sp>
+      <p:sp>
+        <p:nvSpPr>
+          <p:cNvPr id="3" name="ノート プレースホルダー 2"/>
+          <p:cNvSpPr>
+            <a:spLocks noGrp="1"/>
+          </p:cNvSpPr>
+          <p:nvPr>
+            <p:ph type="body" idx="1"/>
+          </p:nvPr>
+        </p:nvSpPr>
+        <p:spPr/>
+        <p:txBody>
+          <a:bodyPr/>
+          <a:lstStyle/>
+          <a:p>
+            <a:r>
+              <a:rPr kumimoji="1" lang="en-US" altLang="ja-JP" dirty="0" err="1" smtClean="0"/>
+              <a:t>Github</a:t>
+            </a:r>
+            <a:r>
+              <a:rPr kumimoji="1" lang="ja-JP" altLang="en-US" dirty="0" smtClean="0"/>
+              <a:t>とほかのホスティングサービスの比較</a:t>
+            </a:r>
+            <a:endParaRPr kumimoji="1" lang="en-US" altLang="ja-JP" dirty="0" smtClean="0"/>
+          </a:p>
+          <a:p>
+            <a:endParaRPr kumimoji="1" lang="ja-JP" altLang="en-US" dirty="0"/>
+          </a:p>
+        </p:txBody>
+      </p:sp>
+      <p:sp>
+        <p:nvSpPr>
+          <p:cNvPr id="4" name="スライド番号プレースホルダー 3"/>
+          <p:cNvSpPr>
+            <a:spLocks noGrp="1"/>
+          </p:cNvSpPr>
+          <p:nvPr>
+            <p:ph type="sldNum" sz="quarter" idx="10"/>
+          </p:nvPr>
+        </p:nvSpPr>
+        <p:spPr/>
+        <p:txBody>
+          <a:bodyPr/>
+          <a:lstStyle/>
+          <a:p>
+            <a:fld id="{F8646707-6BBD-41A9-B4DF-0C76A73A2D2A}" type="slidenum">
+              <a:rPr lang="en-US" altLang="ja-JP" smtClean="0"/>
+              <a:t>6</a:t>
+            </a:fld>
+            <a:endParaRPr kumimoji="1" lang="ja-JP" altLang="en-US" dirty="0"/>
+          </a:p>
+        </p:txBody>
+      </p:sp>
+    </p:spTree>
+    <p:extLst>
+      <p:ext uri="{BB962C8B-B14F-4D97-AF65-F5344CB8AC3E}">
+        <p14:creationId xmlns:p14="http://schemas.microsoft.com/office/powerpoint/2010/main" val="440464040"/>
+      </p:ext>
+    </p:extLst>
+  </p:cSld>
+  <p:clrMapOvr>
+    <a:masterClrMapping/>
+  </p:clrMapOvr>
+</p:notes>
+</file>
+
+<file path=ppt/notesSlides/notesSlide4.xml><?xml version="1.0" encoding="utf-8"?>
+<p:notes xmlns:a="http://schemas.openxmlformats.org/drawingml/2006/main" xmlns:r="http://schemas.openxmlformats.org/officeDocument/2006/relationships" xmlns:p="http://schemas.openxmlformats.org/presentationml/2006/main">
+  <p:cSld>
+    <p:spTree>
+      <p:nvGrpSpPr>
+        <p:cNvPr id="1" name=""/>
+        <p:cNvGrpSpPr/>
+        <p:nvPr/>
+      </p:nvGrpSpPr>
+      <p:grpSpPr>
+        <a:xfrm>
+          <a:off x="0" y="0"/>
+          <a:ext cx="0" cy="0"/>
+          <a:chOff x="0" y="0"/>
+          <a:chExt cx="0" cy="0"/>
+        </a:xfrm>
+      </p:grpSpPr>
+      <p:sp>
+        <p:nvSpPr>
+          <p:cNvPr id="2" name="スライド イメージ プレースホルダー 1"/>
+          <p:cNvSpPr>
+            <a:spLocks noGrp="1" noRot="1" noChangeAspect="1"/>
+          </p:cNvSpPr>
+          <p:nvPr>
+            <p:ph type="sldImg"/>
+          </p:nvPr>
+        </p:nvSpPr>
+        <p:spPr/>
+      </p:sp>
+      <p:sp>
+        <p:nvSpPr>
+          <p:cNvPr id="3" name="ノート プレースホルダー 2"/>
+          <p:cNvSpPr>
+            <a:spLocks noGrp="1"/>
+          </p:cNvSpPr>
+          <p:nvPr>
+            <p:ph type="body" idx="1"/>
+          </p:nvPr>
+        </p:nvSpPr>
+        <p:spPr/>
+        <p:txBody>
+          <a:bodyPr/>
+          <a:lstStyle/>
+          <a:p>
+            <a:endParaRPr kumimoji="1" lang="ja-JP" altLang="en-US" dirty="0"/>
+          </a:p>
+        </p:txBody>
+      </p:sp>
+      <p:sp>
+        <p:nvSpPr>
+          <p:cNvPr id="4" name="スライド番号プレースホルダー 3"/>
+          <p:cNvSpPr>
+            <a:spLocks noGrp="1"/>
+          </p:cNvSpPr>
+          <p:nvPr>
+            <p:ph type="sldNum" sz="quarter" idx="10"/>
+          </p:nvPr>
+        </p:nvSpPr>
+        <p:spPr/>
+        <p:txBody>
+          <a:bodyPr/>
+          <a:lstStyle/>
+          <a:p>
+            <a:fld id="{F8646707-6BBD-41A9-B4DF-0C76A73A2D2A}" type="slidenum">
+              <a:rPr lang="en-US" altLang="ja-JP" smtClean="0"/>
+              <a:t>9</a:t>
+            </a:fld>
+            <a:endParaRPr kumimoji="1" lang="ja-JP" altLang="en-US" dirty="0"/>
+          </a:p>
+        </p:txBody>
+      </p:sp>
+    </p:spTree>
+    <p:extLst>
+      <p:ext uri="{BB962C8B-B14F-4D97-AF65-F5344CB8AC3E}">
+        <p14:creationId xmlns:p14="http://schemas.microsoft.com/office/powerpoint/2010/main" val="1273484618"/>
       </p:ext>
     </p:extLst>
   </p:cSld>
@@ -6088,14 +6271,20 @@
                 <a:latin typeface="+mj-ea"/>
                 <a:ea typeface="+mj-ea"/>
               </a:rPr>
-              <a:t>研究</a:t>
-            </a:r>
+              <a:t>研究背景</a:t>
+            </a:r>
+          </a:p>
+          <a:p>
+            <a:pPr marL="742950" indent="-742950">
+              <a:buFont typeface="+mj-lt"/>
+              <a:buAutoNum type="arabicPeriod"/>
+            </a:pPr>
             <a:r>
               <a:rPr lang="ja-JP" altLang="en-US" b="1" dirty="0" smtClean="0">
                 <a:latin typeface="+mj-ea"/>
                 <a:ea typeface="+mj-ea"/>
               </a:rPr>
-              <a:t>背景</a:t>
+              <a:t>先行研究</a:t>
             </a:r>
           </a:p>
           <a:p>
@@ -6108,28 +6297,12 @@
                 <a:latin typeface="+mj-ea"/>
                 <a:ea typeface="+mj-ea"/>
               </a:rPr>
-              <a:t>先行</a:t>
-            </a:r>
-            <a:r>
-              <a:rPr lang="ja-JP" altLang="en-US" b="1" dirty="0" smtClean="0">
-                <a:latin typeface="+mj-ea"/>
-                <a:ea typeface="+mj-ea"/>
-              </a:rPr>
-              <a:t>研究</a:t>
-            </a:r>
-          </a:p>
-          <a:p>
-            <a:pPr marL="742950" indent="-742950">
-              <a:buFont typeface="+mj-lt"/>
-              <a:buAutoNum type="arabicPeriod"/>
-            </a:pPr>
-            <a:r>
-              <a:rPr lang="ja-JP" altLang="en-US" b="1" dirty="0" smtClean="0">
-                <a:latin typeface="+mj-ea"/>
-                <a:ea typeface="+mj-ea"/>
-              </a:rPr>
-              <a:t>結論</a:t>
-            </a:r>
+              <a:t>結果</a:t>
+            </a:r>
+            <a:endParaRPr lang="ja-JP" altLang="en-US" b="1" dirty="0" smtClean="0">
+              <a:latin typeface="+mj-ea"/>
+              <a:ea typeface="+mj-ea"/>
+            </a:endParaRPr>
           </a:p>
           <a:p>
             <a:pPr marL="742950" indent="-742950">
@@ -9708,12 +9881,12 @@
           <a:graphicData uri="http://schemas.openxmlformats.org/presentationml/2006/ole">
             <mc:AlternateContent xmlns:mc="http://schemas.openxmlformats.org/markup-compatibility/2006">
               <mc:Choice xmlns:v="urn:schemas-microsoft-com:vml" Requires="v">
-                <p:oleObj spid="_x0000_s2052" name="ワークシート" r:id="rId3" imgW="5010272" imgH="10010711" progId="Excel.Sheet.12">
+                <p:oleObj spid="_x0000_s2053" name="ワークシート" r:id="rId4" imgW="5010272" imgH="10010711" progId="Excel.Sheet.12">
                   <p:embed/>
                 </p:oleObj>
               </mc:Choice>
               <mc:Fallback>
-                <p:oleObj name="ワークシート" r:id="rId3" imgW="5010272" imgH="10010711" progId="Excel.Sheet.12">
+                <p:oleObj name="ワークシート" r:id="rId4" imgW="5010272" imgH="10010711" progId="Excel.Sheet.12">
                   <p:embed/>
                   <p:pic>
                     <p:nvPicPr>
@@ -9724,7 +9897,7 @@
                       <p:nvPr/>
                     </p:nvPicPr>
                     <p:blipFill>
-                      <a:blip r:embed="rId4">
+                      <a:blip r:embed="rId5">
                         <a:extLst>
                           <a:ext uri="{28A0092B-C50C-407E-A947-70E740481C1C}">
                             <a14:useLocalDpi xmlns:a14="http://schemas.microsoft.com/office/drawing/2010/main" val="0"/>
@@ -9898,7 +10071,7 @@
               <a:avLst/>
             </a:prstGeom>
             <a:blipFill dpi="0" rotWithShape="1">
-              <a:blip r:embed="rId5">
+              <a:blip r:embed="rId6">
                 <a:alphaModFix amt="10000"/>
               </a:blip>
               <a:srcRect/>
@@ -9934,7 +10107,7 @@
             <p:nvPr/>
           </p:nvPicPr>
           <p:blipFill>
-            <a:blip r:embed="rId6" cstate="email">
+            <a:blip r:embed="rId7" cstate="email">
               <a:extLst>
                 <a:ext uri="{28A0092B-C50C-407E-A947-70E740481C1C}">
                   <a14:useLocalDpi xmlns:a14="http://schemas.microsoft.com/office/drawing/2010/main" val="0"/>
@@ -10034,7 +10207,7 @@
               <p:nvPr/>
             </p:nvPicPr>
             <p:blipFill>
-              <a:blip r:embed="rId7" cstate="email">
+              <a:blip r:embed="rId8" cstate="email">
                 <a:extLst>
                   <a:ext uri="{28A0092B-C50C-407E-A947-70E740481C1C}">
                     <a14:useLocalDpi xmlns:a14="http://schemas.microsoft.com/office/drawing/2010/main" val="0"/>
@@ -10153,7 +10326,7 @@
               <p:nvPr/>
             </p:nvPicPr>
             <p:blipFill>
-              <a:blip r:embed="rId7" cstate="email">
+              <a:blip r:embed="rId8" cstate="email">
                 <a:extLst>
                   <a:ext uri="{28A0092B-C50C-407E-A947-70E740481C1C}">
                     <a14:useLocalDpi xmlns:a14="http://schemas.microsoft.com/office/drawing/2010/main" val="0"/>
@@ -10284,7 +10457,7 @@
             <p:nvPr/>
           </p:nvPicPr>
           <p:blipFill>
-            <a:blip r:embed="rId8"/>
+            <a:blip r:embed="rId9"/>
             <a:stretch>
               <a:fillRect/>
             </a:stretch>
@@ -10407,7 +10580,7 @@
             <p:nvPr/>
           </p:nvPicPr>
           <p:blipFill>
-            <a:blip r:embed="rId9"/>
+            <a:blip r:embed="rId10"/>
             <a:stretch>
               <a:fillRect/>
             </a:stretch>
@@ -10457,7 +10630,7 @@
             <p:nvPr/>
           </p:nvPicPr>
           <p:blipFill>
-            <a:blip r:embed="rId8"/>
+            <a:blip r:embed="rId9"/>
             <a:stretch>
               <a:fillRect/>
             </a:stretch>
@@ -10635,7 +10808,7 @@
             <p:nvPr/>
           </p:nvPicPr>
           <p:blipFill>
-            <a:blip r:embed="rId10"/>
+            <a:blip r:embed="rId11"/>
             <a:stretch>
               <a:fillRect/>
             </a:stretch>
@@ -10796,7 +10969,7 @@
             <p:nvPr/>
           </p:nvPicPr>
           <p:blipFill>
-            <a:blip r:embed="rId11"/>
+            <a:blip r:embed="rId12"/>
             <a:stretch>
               <a:fillRect/>
             </a:stretch>
@@ -11068,7 +11241,7 @@
           <a:p>
             <a:r>
               <a:rPr kumimoji="1" lang="ja-JP" altLang="en-US" sz="3200" b="1" dirty="0" smtClean="0"/>
-              <a:t>結論</a:t>
+              <a:t>結果</a:t>
             </a:r>
             <a:endParaRPr kumimoji="1" lang="ja-JP" altLang="en-US" sz="2400" dirty="0"/>
           </a:p>
@@ -11477,6 +11650,319 @@
           </a:extLst>
         </p:spPr>
       </p:pic>
+      <p:sp>
+        <p:nvSpPr>
+          <p:cNvPr id="12" name="テキスト ボックス 29"/>
+          <p:cNvSpPr txBox="1"/>
+          <p:nvPr/>
+        </p:nvSpPr>
+        <p:spPr>
+          <a:xfrm>
+            <a:off x="1406523" y="1916831"/>
+            <a:ext cx="652073" cy="576065"/>
+          </a:xfrm>
+          <a:prstGeom prst="rect">
+            <a:avLst/>
+          </a:prstGeom>
+          <a:noFill/>
+          <a:ln w="6350">
+            <a:noFill/>
+          </a:ln>
+          <a:effectLst/>
+        </p:spPr>
+        <p:style>
+          <a:lnRef idx="0">
+            <a:schemeClr val="accent1"/>
+          </a:lnRef>
+          <a:fillRef idx="0">
+            <a:schemeClr val="accent1"/>
+          </a:fillRef>
+          <a:effectRef idx="0">
+            <a:schemeClr val="accent1"/>
+          </a:effectRef>
+          <a:fontRef idx="minor">
+            <a:schemeClr val="dk1"/>
+          </a:fontRef>
+        </p:style>
+        <p:txBody>
+          <a:bodyPr rot="0" spcFirstLastPara="0" vert="horz" wrap="square" lIns="91440" tIns="45720" rIns="91440" bIns="45720" numCol="1" spcCol="0" rtlCol="0" fromWordArt="0" anchor="ctr" anchorCtr="0" forceAA="0" compatLnSpc="1">
+            <a:prstTxWarp prst="textNoShape">
+              <a:avLst/>
+            </a:prstTxWarp>
+            <a:noAutofit/>
+          </a:bodyPr>
+          <a:lstStyle/>
+          <a:p>
+            <a:pPr algn="ctr">
+              <a:spcAft>
+                <a:spcPts val="0"/>
+              </a:spcAft>
+            </a:pPr>
+            <a:r>
+              <a:rPr lang="ja-JP" sz="2800" b="1" kern="100" dirty="0">
+                <a:ln w="9525" cap="rnd" cmpd="sng" algn="ctr">
+                  <a:solidFill>
+                    <a:srgbClr val="EEECE1"/>
+                  </a:solidFill>
+                  <a:prstDash val="solid"/>
+                  <a:bevel/>
+                </a:ln>
+                <a:solidFill>
+                  <a:schemeClr val="tx1"/>
+                </a:solidFill>
+                <a:effectLst/>
+                <a:latin typeface="HGP創英角ﾎﾟｯﾌﾟ体" panose="040B0A00000000000000" pitchFamily="50" charset="-128"/>
+                <a:ea typeface="HGP創英角ﾎﾟｯﾌﾟ体" panose="040B0A00000000000000" pitchFamily="50" charset="-128"/>
+                <a:cs typeface="Times New Roman"/>
+              </a:rPr>
+              <a:t>①</a:t>
+            </a:r>
+            <a:endParaRPr lang="ja-JP" sz="1200" b="1" kern="100" dirty="0">
+              <a:solidFill>
+                <a:schemeClr val="tx1"/>
+              </a:solidFill>
+              <a:effectLst/>
+              <a:latin typeface="HGP創英角ﾎﾟｯﾌﾟ体" panose="040B0A00000000000000" pitchFamily="50" charset="-128"/>
+              <a:ea typeface="HGP創英角ﾎﾟｯﾌﾟ体" panose="040B0A00000000000000" pitchFamily="50" charset="-128"/>
+              <a:cs typeface="Times New Roman"/>
+            </a:endParaRPr>
+          </a:p>
+        </p:txBody>
+      </p:sp>
+      <p:sp>
+        <p:nvSpPr>
+          <p:cNvPr id="13" name="テキスト ボックス 1"/>
+          <p:cNvSpPr txBox="1"/>
+          <p:nvPr/>
+        </p:nvSpPr>
+        <p:spPr>
+          <a:xfrm>
+            <a:off x="4650892" y="1924476"/>
+            <a:ext cx="652073" cy="576065"/>
+          </a:xfrm>
+          <a:prstGeom prst="rect">
+            <a:avLst/>
+          </a:prstGeom>
+          <a:noFill/>
+          <a:ln w="6350">
+            <a:noFill/>
+          </a:ln>
+          <a:effectLst/>
+        </p:spPr>
+        <p:style>
+          <a:lnRef idx="0">
+            <a:schemeClr val="accent1"/>
+          </a:lnRef>
+          <a:fillRef idx="0">
+            <a:schemeClr val="accent1"/>
+          </a:fillRef>
+          <a:effectRef idx="0">
+            <a:schemeClr val="accent1"/>
+          </a:effectRef>
+          <a:fontRef idx="minor">
+            <a:schemeClr val="dk1"/>
+          </a:fontRef>
+        </p:style>
+        <p:txBody>
+          <a:bodyPr rot="0" spcFirstLastPara="0" vert="horz" wrap="square" lIns="91440" tIns="45720" rIns="91440" bIns="45720" numCol="1" spcCol="0" rtlCol="0" fromWordArt="0" anchor="ctr" anchorCtr="0" forceAA="0" compatLnSpc="1">
+            <a:prstTxWarp prst="textNoShape">
+              <a:avLst/>
+            </a:prstTxWarp>
+            <a:noAutofit/>
+          </a:bodyPr>
+          <a:lstStyle/>
+          <a:p>
+            <a:pPr marL="342900" lvl="0" indent="-342900" algn="ctr">
+              <a:spcAft>
+                <a:spcPts val="0"/>
+              </a:spcAft>
+              <a:buFont typeface="+mj-ea"/>
+              <a:buAutoNum type="circleNumDbPlain" startAt="2"/>
+            </a:pPr>
+            <a:r>
+              <a:rPr lang="en-US" sz="2800" b="1" kern="100" dirty="0">
+                <a:ln w="9525" cap="rnd" cmpd="sng" algn="ctr">
+                  <a:solidFill>
+                    <a:srgbClr val="EEECE1"/>
+                  </a:solidFill>
+                  <a:prstDash val="solid"/>
+                  <a:bevel/>
+                </a:ln>
+                <a:solidFill>
+                  <a:schemeClr val="tx1"/>
+                </a:solidFill>
+                <a:effectLst/>
+                <a:latin typeface="HGP創英角ﾎﾟｯﾌﾟ体" panose="040B0A00000000000000" pitchFamily="50" charset="-128"/>
+                <a:ea typeface="HGP創英角ﾎﾟｯﾌﾟ体" panose="040B0A00000000000000" pitchFamily="50" charset="-128"/>
+                <a:cs typeface="Times New Roman"/>
+              </a:rPr>
+              <a:t> </a:t>
+            </a:r>
+            <a:endParaRPr lang="ja-JP" sz="1200" b="1" kern="100" dirty="0">
+              <a:solidFill>
+                <a:schemeClr val="tx1"/>
+              </a:solidFill>
+              <a:effectLst/>
+              <a:latin typeface="HGP創英角ﾎﾟｯﾌﾟ体" panose="040B0A00000000000000" pitchFamily="50" charset="-128"/>
+              <a:ea typeface="HGP創英角ﾎﾟｯﾌﾟ体" panose="040B0A00000000000000" pitchFamily="50" charset="-128"/>
+              <a:cs typeface="Times New Roman"/>
+            </a:endParaRPr>
+          </a:p>
+        </p:txBody>
+      </p:sp>
+      <p:sp>
+        <p:nvSpPr>
+          <p:cNvPr id="14" name="テキスト ボックス 2"/>
+          <p:cNvSpPr txBox="1"/>
+          <p:nvPr/>
+        </p:nvSpPr>
+        <p:spPr>
+          <a:xfrm>
+            <a:off x="1435185" y="4149080"/>
+            <a:ext cx="652072" cy="588065"/>
+          </a:xfrm>
+          <a:prstGeom prst="rect">
+            <a:avLst/>
+          </a:prstGeom>
+          <a:noFill/>
+          <a:ln w="6350">
+            <a:noFill/>
+          </a:ln>
+          <a:effectLst/>
+        </p:spPr>
+        <p:style>
+          <a:lnRef idx="0">
+            <a:schemeClr val="accent1"/>
+          </a:lnRef>
+          <a:fillRef idx="0">
+            <a:schemeClr val="accent1"/>
+          </a:fillRef>
+          <a:effectRef idx="0">
+            <a:schemeClr val="accent1"/>
+          </a:effectRef>
+          <a:fontRef idx="minor">
+            <a:schemeClr val="dk1"/>
+          </a:fontRef>
+        </p:style>
+        <p:txBody>
+          <a:bodyPr rot="0" spcFirstLastPara="0" vert="horz" wrap="square" lIns="91440" tIns="45720" rIns="91440" bIns="45720" numCol="1" spcCol="0" rtlCol="0" fromWordArt="0" anchor="ctr" anchorCtr="0" forceAA="0" compatLnSpc="1">
+            <a:prstTxWarp prst="textNoShape">
+              <a:avLst/>
+            </a:prstTxWarp>
+            <a:noAutofit/>
+          </a:bodyPr>
+          <a:lstStyle/>
+          <a:p>
+            <a:pPr marL="295275" indent="-295275" algn="ctr">
+              <a:spcAft>
+                <a:spcPts val="0"/>
+              </a:spcAft>
+            </a:pPr>
+            <a:r>
+              <a:rPr lang="ja-JP" altLang="en-US" sz="2800" b="1" kern="100" dirty="0" smtClean="0">
+                <a:solidFill>
+                  <a:schemeClr val="tx1"/>
+                </a:solidFill>
+                <a:effectLst/>
+                <a:latin typeface="HGP創英角ﾎﾟｯﾌﾟ体" panose="040B0A00000000000000" pitchFamily="50" charset="-128"/>
+                <a:ea typeface="HGP創英角ﾎﾟｯﾌﾟ体" panose="040B0A00000000000000" pitchFamily="50" charset="-128"/>
+                <a:cs typeface="Times New Roman"/>
+              </a:rPr>
+              <a:t>③</a:t>
+            </a:r>
+            <a:endParaRPr lang="ja-JP" sz="2800" b="1" kern="100" dirty="0">
+              <a:solidFill>
+                <a:schemeClr val="tx1"/>
+              </a:solidFill>
+              <a:effectLst/>
+              <a:latin typeface="HGP創英角ﾎﾟｯﾌﾟ体" panose="040B0A00000000000000" pitchFamily="50" charset="-128"/>
+              <a:ea typeface="HGP創英角ﾎﾟｯﾌﾟ体" panose="040B0A00000000000000" pitchFamily="50" charset="-128"/>
+              <a:cs typeface="Times New Roman"/>
+            </a:endParaRPr>
+          </a:p>
+        </p:txBody>
+      </p:sp>
+      <p:sp>
+        <p:nvSpPr>
+          <p:cNvPr id="15" name="テキスト ボックス 15"/>
+          <p:cNvSpPr txBox="1"/>
+          <p:nvPr/>
+        </p:nvSpPr>
+        <p:spPr>
+          <a:xfrm>
+            <a:off x="4650892" y="4149079"/>
+            <a:ext cx="652073" cy="576065"/>
+          </a:xfrm>
+          <a:prstGeom prst="rect">
+            <a:avLst/>
+          </a:prstGeom>
+          <a:noFill/>
+          <a:ln w="6350">
+            <a:noFill/>
+          </a:ln>
+          <a:effectLst/>
+        </p:spPr>
+        <p:style>
+          <a:lnRef idx="0">
+            <a:schemeClr val="accent1"/>
+          </a:lnRef>
+          <a:fillRef idx="0">
+            <a:schemeClr val="accent1"/>
+          </a:fillRef>
+          <a:effectRef idx="0">
+            <a:schemeClr val="accent1"/>
+          </a:effectRef>
+          <a:fontRef idx="minor">
+            <a:schemeClr val="dk1"/>
+          </a:fontRef>
+        </p:style>
+        <p:txBody>
+          <a:bodyPr rot="0" spcFirstLastPara="0" vert="horz" wrap="square" lIns="91440" tIns="45720" rIns="91440" bIns="45720" numCol="1" spcCol="0" rtlCol="0" fromWordArt="0" anchor="ctr" anchorCtr="0" forceAA="0" compatLnSpc="1">
+            <a:prstTxWarp prst="textNoShape">
+              <a:avLst/>
+            </a:prstTxWarp>
+            <a:noAutofit/>
+          </a:bodyPr>
+          <a:lstStyle/>
+          <a:p>
+            <a:pPr marL="342900" lvl="0" indent="-342900" algn="ctr">
+              <a:spcAft>
+                <a:spcPts val="0"/>
+              </a:spcAft>
+              <a:buFont typeface="+mj-ea"/>
+              <a:buAutoNum type="circleNumDbPlain" startAt="4"/>
+            </a:pPr>
+            <a:r>
+              <a:rPr lang="en-US" sz="2800" b="1" kern="100" dirty="0">
+                <a:ln w="9525" cap="rnd" cmpd="sng" algn="ctr">
+                  <a:solidFill>
+                    <a:srgbClr val="EEECE1"/>
+                  </a:solidFill>
+                  <a:prstDash val="solid"/>
+                  <a:bevel/>
+                </a:ln>
+                <a:solidFill>
+                  <a:schemeClr val="tx1"/>
+                </a:solidFill>
+                <a:effectLst/>
+                <a:latin typeface="HGP創英角ﾎﾟｯﾌﾟ体" panose="040B0A00000000000000" pitchFamily="50" charset="-128"/>
+                <a:ea typeface="HGP創英角ﾎﾟｯﾌﾟ体" panose="040B0A00000000000000" pitchFamily="50" charset="-128"/>
+                <a:cs typeface="Times New Roman"/>
+              </a:rPr>
+              <a:t> </a:t>
+            </a:r>
+            <a:endParaRPr lang="ja-JP" sz="1200" b="1" kern="100" dirty="0">
+              <a:solidFill>
+                <a:schemeClr val="tx1"/>
+              </a:solidFill>
+              <a:effectLst/>
+              <a:latin typeface="HGP創英角ﾎﾟｯﾌﾟ体" panose="040B0A00000000000000" pitchFamily="50" charset="-128"/>
+              <a:ea typeface="HGP創英角ﾎﾟｯﾌﾟ体" panose="040B0A00000000000000" pitchFamily="50" charset="-128"/>
+              <a:cs typeface="Times New Roman"/>
+            </a:endParaRPr>
+          </a:p>
+        </p:txBody>
+      </p:sp>
     </p:spTree>
     <p:extLst>
       <p:ext uri="{BB962C8B-B14F-4D97-AF65-F5344CB8AC3E}">
